--- a/slides/security.pptx
+++ b/slides/security.pptx
@@ -5,7 +5,7 @@
     <p:sldMasterId id="2147483648" r:id="rId1"/>
   </p:sldMasterIdLst>
   <p:notesMasterIdLst>
-    <p:notesMasterId r:id="rId23"/>
+    <p:notesMasterId r:id="rId20"/>
   </p:notesMasterIdLst>
   <p:sldIdLst>
     <p:sldId id="256" r:id="rId2"/>
@@ -16,19 +16,16 @@
     <p:sldId id="263" r:id="rId7"/>
     <p:sldId id="265" r:id="rId8"/>
     <p:sldId id="266" r:id="rId9"/>
-    <p:sldId id="270" r:id="rId10"/>
-    <p:sldId id="271" r:id="rId11"/>
-    <p:sldId id="273" r:id="rId12"/>
-    <p:sldId id="274" r:id="rId13"/>
-    <p:sldId id="275" r:id="rId14"/>
-    <p:sldId id="276" r:id="rId15"/>
-    <p:sldId id="277" r:id="rId16"/>
-    <p:sldId id="278" r:id="rId17"/>
-    <p:sldId id="279" r:id="rId18"/>
-    <p:sldId id="280" r:id="rId19"/>
-    <p:sldId id="281" r:id="rId20"/>
-    <p:sldId id="282" r:id="rId21"/>
-    <p:sldId id="283" r:id="rId22"/>
+    <p:sldId id="271" r:id="rId10"/>
+    <p:sldId id="273" r:id="rId11"/>
+    <p:sldId id="274" r:id="rId12"/>
+    <p:sldId id="275" r:id="rId13"/>
+    <p:sldId id="278" r:id="rId14"/>
+    <p:sldId id="279" r:id="rId15"/>
+    <p:sldId id="280" r:id="rId16"/>
+    <p:sldId id="281" r:id="rId17"/>
+    <p:sldId id="282" r:id="rId18"/>
+    <p:sldId id="283" r:id="rId19"/>
   </p:sldIdLst>
   <p:sldSz cx="9144000" cy="6858000" type="screen4x3"/>
   <p:notesSz cx="6858000" cy="9144000"/>
@@ -330,6 +327,11 @@
       </a:defRPr>
     </a:lvl9pPr>
   </p:defaultTextStyle>
+  <p:extLst>
+    <p:ext uri="{EFAFB233-063F-42B5-8137-9DF3F51BA10A}">
+      <p15:sldGuideLst xmlns:p15="http://schemas.microsoft.com/office/powerpoint/2012/main"/>
+    </p:ext>
+  </p:extLst>
 </p:presentation>
 </file>
 
@@ -1937,7 +1939,7 @@
       </p:grpSpPr>
       <p:sp>
         <p:nvSpPr>
-          <p:cNvPr id="81" name="Shape 81"/>
+          <p:cNvPr id="90" name="Shape 90"/>
           <p:cNvSpPr>
             <a:spLocks noGrp="1"/>
           </p:cNvSpPr>
@@ -1946,10 +1948,6 @@
           </p:nvPr>
         </p:nvSpPr>
         <p:spPr>
-          <a:xfrm>
-            <a:off x="26739" y="-1"/>
-            <a:ext cx="8978106" cy="1143001"/>
-          </a:xfrm>
           <a:prstGeom prst="rect">
             <a:avLst/>
           </a:prstGeom>
@@ -1960,37 +1958,26 @@
           </a:bodyPr>
           <a:lstStyle/>
           <a:p>
-            <a:pPr defTabSz="630936">
-              <a:defRPr sz="3036"/>
-            </a:pPr>
-            <a:r>
-              <a:t>Login Spoofing</a:t>
-            </a:r>
-          </a:p>
-          <a:p>
-            <a:pPr defTabSz="630936">
-              <a:defRPr sz="3036"/>
-            </a:pPr>
-            <a:r>
-              <a:t>“I’m sure I entered the right password. What happened?”</a:t>
+            <a:r>
+              <a:t>Buffer Overflow</a:t>
             </a:r>
           </a:p>
         </p:txBody>
       </p:sp>
       <p:sp>
         <p:nvSpPr>
-          <p:cNvPr id="82" name="Shape 82"/>
+          <p:cNvPr id="91" name="Shape 91"/>
           <p:cNvSpPr>
             <a:spLocks noGrp="1"/>
           </p:cNvSpPr>
           <p:nvPr>
-            <p:ph type="body" idx="1"/>
+            <p:ph type="body" sz="quarter" idx="1"/>
           </p:nvPr>
         </p:nvSpPr>
         <p:spPr>
           <a:xfrm>
-            <a:off x="202307" y="3496281"/>
-            <a:ext cx="8739385" cy="3670091"/>
+            <a:off x="1108075" y="5095875"/>
+            <a:ext cx="8372475" cy="1457325"/>
           </a:xfrm>
           <a:prstGeom prst="rect">
             <a:avLst/>
@@ -1998,71 +1985,54 @@
         </p:spPr>
         <p:txBody>
           <a:bodyPr>
-            <a:normAutofit/>
+            <a:normAutofit lnSpcReduction="10000"/>
           </a:bodyPr>
           <a:lstStyle/>
           <a:p>
-            <a:pPr marL="342900" indent="-342900">
+            <a:pPr marL="295174" indent="-295174" defTabSz="841247">
               <a:lnSpc>
                 <a:spcPct val="90000"/>
               </a:lnSpc>
-              <a:buSzTx/>
-              <a:buNone/>
-              <a:defRPr sz="2200"/>
-            </a:pPr>
-            <a:r>
-              <a:t>Countermeasures: </a:t>
-            </a:r>
-          </a:p>
-          <a:p>
-            <a:pPr marL="320842" indent="-320842">
+              <a:defRPr sz="2944"/>
+            </a:pPr>
+            <a:r>
+              <a:t>(a) Situation when main program is running</a:t>
+            </a:r>
+          </a:p>
+          <a:p>
+            <a:pPr marL="295174" indent="-295174" defTabSz="841247">
               <a:lnSpc>
                 <a:spcPct val="90000"/>
               </a:lnSpc>
-              <a:defRPr sz="2200"/>
-            </a:pPr>
-            <a:r>
-              <a:t>Cautious user can intentionally enter a fake password the first (few) time(s).</a:t>
-            </a:r>
-          </a:p>
-          <a:p>
-            <a:pPr marL="320842" indent="-320842">
+              <a:defRPr sz="2944"/>
+            </a:pPr>
+            <a:r>
+              <a:t>(b) After function </a:t>
+            </a:r>
+            <a:r>
+              <a:rPr i="1"/>
+              <a:t>A</a:t>
+            </a:r>
+            <a:r>
+              <a:t> called</a:t>
+            </a:r>
+          </a:p>
+          <a:p>
+            <a:pPr marL="295174" indent="-295174" defTabSz="841247">
               <a:lnSpc>
                 <a:spcPct val="90000"/>
               </a:lnSpc>
-              <a:defRPr sz="2200"/>
-            </a:pPr>
-            <a:r>
-              <a:t>Use “Trusted Path” </a:t>
-            </a:r>
-          </a:p>
-          <a:p>
-            <a:pPr lvl="1">
-              <a:lnSpc>
-                <a:spcPct val="90000"/>
-              </a:lnSpc>
-              <a:defRPr sz="2200"/>
-            </a:pPr>
-            <a:r>
-              <a:t>A sequence of user actions that is guaranteed to give control to the OS.</a:t>
-            </a:r>
-          </a:p>
-          <a:p>
-            <a:pPr lvl="1">
-              <a:lnSpc>
-                <a:spcPct val="90000"/>
-              </a:lnSpc>
-              <a:defRPr sz="2200"/>
-            </a:pPr>
-            <a:r>
-              <a:t>E.g. pressing Ctrl-Alt-Del could guarantee that legitimate login (or logout) screen will show up.</a:t>
+              <a:defRPr sz="2944"/>
+            </a:pPr>
+            <a:r>
+              <a:t>(c) Buffer overflow shown in gray</a:t>
             </a:r>
           </a:p>
         </p:txBody>
       </p:sp>
       <p:pic>
         <p:nvPicPr>
-          <p:cNvPr id="83" name="image.png"/>
+          <p:cNvPr id="92" name="image.png"/>
           <p:cNvPicPr>
             <a:picLocks noChangeAspect="1"/>
           </p:cNvPicPr>
@@ -2078,8 +2048,8 @@
         </p:blipFill>
         <p:spPr>
           <a:xfrm>
-            <a:off x="2179637" y="1258887"/>
-            <a:ext cx="5639353" cy="1715108"/>
+            <a:off x="1042987" y="1295400"/>
+            <a:ext cx="7105651" cy="3438525"/>
           </a:xfrm>
           <a:prstGeom prst="rect">
             <a:avLst/>
@@ -2089,76 +2059,6 @@
           </a:ln>
         </p:spPr>
       </p:pic>
-      <p:sp>
-        <p:nvSpPr>
-          <p:cNvPr id="84" name="Shape 84"/>
-          <p:cNvSpPr/>
-          <p:nvPr/>
-        </p:nvSpPr>
-        <p:spPr>
-          <a:xfrm>
-            <a:off x="1786304" y="2935541"/>
-            <a:ext cx="2626331" cy="421393"/>
-          </a:xfrm>
-          <a:prstGeom prst="rect">
-            <a:avLst/>
-          </a:prstGeom>
-          <a:ln w="12700">
-            <a:miter lim="400000"/>
-          </a:ln>
-          <a:extLst>
-            <a:ext uri="{C572A759-6A51-4108-AA02-DFA0A04FC94B}">
-              <ma14:wrappingTextBoxFlag xmlns:ma14="http://schemas.microsoft.com/office/mac/drawingml/2011/main" val="1"/>
-            </a:ext>
-          </a:extLst>
-        </p:spPr>
-        <p:txBody>
-          <a:bodyPr wrap="none" lIns="45719" rIns="45719">
-            <a:spAutoFit/>
-          </a:bodyPr>
-          <a:lstStyle/>
-          <a:p>
-            <a:r>
-              <a:t>Correct login Screen</a:t>
-            </a:r>
-          </a:p>
-        </p:txBody>
-      </p:sp>
-      <p:sp>
-        <p:nvSpPr>
-          <p:cNvPr id="85" name="Shape 85"/>
-          <p:cNvSpPr/>
-          <p:nvPr/>
-        </p:nvSpPr>
-        <p:spPr>
-          <a:xfrm>
-            <a:off x="5812204" y="2935541"/>
-            <a:ext cx="2491493" cy="421393"/>
-          </a:xfrm>
-          <a:prstGeom prst="rect">
-            <a:avLst/>
-          </a:prstGeom>
-          <a:ln w="12700">
-            <a:miter lim="400000"/>
-          </a:ln>
-          <a:extLst>
-            <a:ext uri="{C572A759-6A51-4108-AA02-DFA0A04FC94B}">
-              <ma14:wrappingTextBoxFlag xmlns:ma14="http://schemas.microsoft.com/office/mac/drawingml/2011/main" val="1"/>
-            </a:ext>
-          </a:extLst>
-        </p:spPr>
-        <p:txBody>
-          <a:bodyPr wrap="none" lIns="45719" rIns="45719">
-            <a:spAutoFit/>
-          </a:bodyPr>
-          <a:lstStyle/>
-          <a:p>
-            <a:r>
-              <a:t>Phony login Screen</a:t>
-            </a:r>
-          </a:p>
-        </p:txBody>
-      </p:sp>
     </p:spTree>
   </p:cSld>
   <p:clrMapOvr>
@@ -2187,7 +2087,7 @@
       </p:grpSpPr>
       <p:sp>
         <p:nvSpPr>
-          <p:cNvPr id="90" name="Shape 90"/>
+          <p:cNvPr id="94" name="Shape 94"/>
           <p:cNvSpPr>
             <a:spLocks noGrp="1"/>
           </p:cNvSpPr>
@@ -2201,112 +2101,145 @@
           </a:prstGeom>
         </p:spPr>
         <p:txBody>
-          <a:bodyPr>
-            <a:normAutofit/>
-          </a:bodyPr>
+          <a:bodyPr/>
           <a:lstStyle/>
           <a:p>
             <a:r>
-              <a:t>Buffer Overflow</a:t>
+              <a:t>Memory reuse — Dumpster Diving</a:t>
             </a:r>
           </a:p>
         </p:txBody>
       </p:sp>
       <p:sp>
         <p:nvSpPr>
-          <p:cNvPr id="91" name="Shape 91"/>
+          <p:cNvPr id="95" name="Shape 95"/>
           <p:cNvSpPr>
             <a:spLocks noGrp="1"/>
           </p:cNvSpPr>
           <p:nvPr>
-            <p:ph type="body" sz="quarter" idx="1"/>
+            <p:ph type="body" idx="1"/>
           </p:nvPr>
         </p:nvSpPr>
         <p:spPr>
           <a:xfrm>
-            <a:off x="1108075" y="5095875"/>
-            <a:ext cx="8372475" cy="1457325"/>
+            <a:off x="112463" y="996701"/>
+            <a:ext cx="8758934" cy="5861299"/>
           </a:xfrm>
           <a:prstGeom prst="rect">
             <a:avLst/>
           </a:prstGeom>
         </p:spPr>
         <p:txBody>
-          <a:bodyPr>
-            <a:normAutofit lnSpcReduction="10000"/>
-          </a:bodyPr>
+          <a:bodyPr/>
           <a:lstStyle/>
           <a:p>
-            <a:pPr marL="295174" indent="-295174" defTabSz="841247">
-              <a:lnSpc>
-                <a:spcPct val="90000"/>
-              </a:lnSpc>
-              <a:defRPr sz="2944"/>
-            </a:pPr>
-            <a:r>
-              <a:t>(a) Situation when main program is running</a:t>
-            </a:r>
-          </a:p>
-          <a:p>
-            <a:pPr marL="295174" indent="-295174" defTabSz="841247">
-              <a:lnSpc>
-                <a:spcPct val="90000"/>
-              </a:lnSpc>
-              <a:defRPr sz="2944"/>
-            </a:pPr>
-            <a:r>
-              <a:t>(b) After function </a:t>
-            </a:r>
-            <a:r>
-              <a:rPr i="1"/>
-              <a:t>A</a:t>
-            </a:r>
-            <a:r>
-              <a:t> called</a:t>
-            </a:r>
-          </a:p>
-          <a:p>
-            <a:pPr marL="295174" indent="-295174" defTabSz="841247">
-              <a:lnSpc>
-                <a:spcPct val="90000"/>
-              </a:lnSpc>
-              <a:defRPr sz="2944"/>
-            </a:pPr>
-            <a:r>
-              <a:t>(c) Buffer overflow shown in gray</a:t>
+            <a:pPr marL="280736" indent="-280736">
+              <a:spcBef>
+                <a:spcPts val="600"/>
+              </a:spcBef>
+            </a:pPr>
+            <a:r>
+              <a:rPr sz="2800" dirty="0"/>
+              <a:t>Request memory, disk space, tapes</a:t>
+            </a:r>
+          </a:p>
+          <a:p>
+            <a:pPr>
+              <a:spcBef>
+                <a:spcPts val="600"/>
+              </a:spcBef>
+            </a:pPr>
+            <a:endParaRPr sz="2800" dirty="0"/>
+          </a:p>
+          <a:p>
+            <a:pPr marL="280736" indent="-280736">
+              <a:spcBef>
+                <a:spcPts val="600"/>
+              </a:spcBef>
+            </a:pPr>
+            <a:r>
+              <a:rPr sz="2800" dirty="0"/>
+              <a:t>Don’t write. Just read and interpret existing data.</a:t>
+            </a:r>
+          </a:p>
+          <a:p>
+            <a:pPr>
+              <a:spcBef>
+                <a:spcPts val="600"/>
+              </a:spcBef>
+            </a:pPr>
+            <a:endParaRPr sz="2800" dirty="0"/>
+          </a:p>
+          <a:p>
+            <a:pPr marL="280736" indent="-280736">
+              <a:spcBef>
+                <a:spcPts val="600"/>
+              </a:spcBef>
+            </a:pPr>
+            <a:r>
+              <a:rPr sz="2800" dirty="0"/>
+              <a:t>May find passwords, ssh keys, emails, personal information, browsing history, etc.</a:t>
+            </a:r>
+          </a:p>
+          <a:p>
+            <a:pPr>
+              <a:spcBef>
+                <a:spcPts val="600"/>
+              </a:spcBef>
+            </a:pPr>
+            <a:endParaRPr sz="2800" dirty="0"/>
+          </a:p>
+          <a:p>
+            <a:pPr marL="280736" indent="-280736">
+              <a:spcBef>
+                <a:spcPts val="600"/>
+              </a:spcBef>
+            </a:pPr>
+            <a:r>
+              <a:rPr lang="en-US" sz="2800" dirty="0" smtClean="0"/>
+              <a:t>Countermeasure</a:t>
+            </a:r>
+            <a:r>
+              <a:rPr sz="2800" dirty="0" smtClean="0"/>
+              <a:t>: </a:t>
+            </a:r>
+            <a:endParaRPr sz="2800" dirty="0"/>
+          </a:p>
+          <a:p>
+            <a:pPr marL="661736" lvl="1" indent="-280736">
+              <a:spcBef>
+                <a:spcPts val="600"/>
+              </a:spcBef>
+            </a:pPr>
+            <a:r>
+              <a:rPr sz="2800" dirty="0"/>
+              <a:t>Scrub memory/storage before allocating to user. </a:t>
+            </a:r>
+          </a:p>
+          <a:p>
+            <a:pPr marL="661736" lvl="1" indent="-280736">
+              <a:spcBef>
+                <a:spcPts val="600"/>
+              </a:spcBef>
+            </a:pPr>
+            <a:r>
+              <a:rPr sz="2800" dirty="0"/>
+              <a:t>Encrypt data. Throw away the key once done.</a:t>
+            </a:r>
+          </a:p>
+          <a:p>
+            <a:pPr marL="661736" lvl="1" indent="-280736">
+              <a:spcBef>
+                <a:spcPts val="600"/>
+              </a:spcBef>
+            </a:pPr>
+            <a:r>
+              <a:rPr sz="2800" dirty="0"/>
+              <a:t>Disadvantage: Takes more time.</a:t>
             </a:r>
           </a:p>
         </p:txBody>
       </p:sp>
-      <p:pic>
-        <p:nvPicPr>
-          <p:cNvPr id="92" name="image.png"/>
-          <p:cNvPicPr>
-            <a:picLocks noChangeAspect="1"/>
-          </p:cNvPicPr>
-          <p:nvPr/>
-        </p:nvPicPr>
-        <p:blipFill>
-          <a:blip r:embed="rId2">
-            <a:extLst/>
-          </a:blip>
-          <a:stretch>
-            <a:fillRect/>
-          </a:stretch>
-        </p:blipFill>
-        <p:spPr>
-          <a:xfrm>
-            <a:off x="1042987" y="1295400"/>
-            <a:ext cx="7105651" cy="3438525"/>
-          </a:xfrm>
-          <a:prstGeom prst="rect">
-            <a:avLst/>
-          </a:prstGeom>
-          <a:ln w="12700">
-            <a:miter lim="400000"/>
-          </a:ln>
-        </p:spPr>
-      </p:pic>
     </p:spTree>
   </p:cSld>
   <p:clrMapOvr>
@@ -2335,7 +2268,7 @@
       </p:grpSpPr>
       <p:sp>
         <p:nvSpPr>
-          <p:cNvPr id="94" name="Shape 94"/>
+          <p:cNvPr id="97" name="Shape 97"/>
           <p:cNvSpPr>
             <a:spLocks noGrp="1"/>
           </p:cNvSpPr>
@@ -2353,14 +2286,14 @@
           <a:lstStyle/>
           <a:p>
             <a:r>
-              <a:t>Memory reuse — Dumpster Diving</a:t>
+              <a:t>Logging</a:t>
             </a:r>
           </a:p>
         </p:txBody>
       </p:sp>
       <p:sp>
         <p:nvSpPr>
-          <p:cNvPr id="95" name="Shape 95"/>
+          <p:cNvPr id="98" name="Shape 98"/>
           <p:cNvSpPr>
             <a:spLocks noGrp="1"/>
           </p:cNvSpPr>
@@ -2370,8 +2303,8 @@
         </p:nvSpPr>
         <p:spPr>
           <a:xfrm>
-            <a:off x="112463" y="996701"/>
-            <a:ext cx="8758934" cy="5861299"/>
+            <a:off x="112463" y="933896"/>
+            <a:ext cx="8919073" cy="5924104"/>
           </a:xfrm>
           <a:prstGeom prst="rect">
             <a:avLst/>
@@ -2381,105 +2314,117 @@
           <a:bodyPr/>
           <a:lstStyle/>
           <a:p>
-            <a:pPr marL="280736" indent="-280736">
-              <a:spcBef>
-                <a:spcPts val="600"/>
-              </a:spcBef>
-            </a:pPr>
-            <a:r>
-              <a:rPr sz="2800"/>
-              <a:t>Request memory, disk space, tapes</a:t>
-            </a:r>
-          </a:p>
-          <a:p>
-            <a:pPr>
-              <a:spcBef>
-                <a:spcPts val="600"/>
-              </a:spcBef>
-            </a:pPr>
-            <a:endParaRPr sz="2800"/>
-          </a:p>
-          <a:p>
-            <a:pPr marL="280736" indent="-280736">
-              <a:spcBef>
-                <a:spcPts val="600"/>
-              </a:spcBef>
-            </a:pPr>
-            <a:r>
-              <a:rPr sz="2800"/>
-              <a:t>Don’t write. Just read and interpret existing data.</a:t>
-            </a:r>
-          </a:p>
-          <a:p>
-            <a:pPr>
-              <a:spcBef>
-                <a:spcPts val="600"/>
-              </a:spcBef>
-            </a:pPr>
-            <a:endParaRPr sz="2800"/>
-          </a:p>
-          <a:p>
-            <a:pPr marL="280736" indent="-280736">
-              <a:spcBef>
-                <a:spcPts val="600"/>
-              </a:spcBef>
-            </a:pPr>
-            <a:r>
-              <a:rPr sz="2800"/>
-              <a:t>May find passwords, ssh keys, emails, personal information, browsing history, etc.</a:t>
-            </a:r>
-          </a:p>
-          <a:p>
-            <a:pPr>
-              <a:spcBef>
-                <a:spcPts val="600"/>
-              </a:spcBef>
-            </a:pPr>
-            <a:endParaRPr sz="2800"/>
-          </a:p>
-          <a:p>
-            <a:pPr marL="280736" indent="-280736">
-              <a:spcBef>
-                <a:spcPts val="600"/>
-              </a:spcBef>
-            </a:pPr>
-            <a:r>
-              <a:rPr sz="2800"/>
-              <a:t>CM: </a:t>
-            </a:r>
-          </a:p>
-          <a:p>
-            <a:pPr marL="661736" lvl="1" indent="-280736">
-              <a:spcBef>
-                <a:spcPts val="600"/>
-              </a:spcBef>
-            </a:pPr>
-            <a:r>
-              <a:rPr sz="2800"/>
-              <a:t>Scrub memory/storage before allocating to user. </a:t>
-            </a:r>
-          </a:p>
-          <a:p>
-            <a:pPr marL="661736" lvl="1" indent="-280736">
-              <a:spcBef>
-                <a:spcPts val="600"/>
-              </a:spcBef>
-            </a:pPr>
-            <a:r>
-              <a:rPr sz="2800"/>
-              <a:t>Encrypt data. Throw away the key once done.</a:t>
-            </a:r>
-          </a:p>
-          <a:p>
-            <a:pPr marL="661736" lvl="1" indent="-280736">
-              <a:spcBef>
-                <a:spcPts val="600"/>
-              </a:spcBef>
-            </a:pPr>
-            <a:r>
-              <a:rPr sz="2800"/>
-              <a:t>Disadvantage: Takes more time.</a:t>
-            </a:r>
+            <a:pPr marL="320842" indent="-320842">
+              <a:defRPr sz="2800"/>
+            </a:pPr>
+            <a:r>
+              <a:rPr sz="2400" dirty="0"/>
+              <a:t>Logs: A time-wise record of system activity.</a:t>
+            </a:r>
+          </a:p>
+          <a:p>
+            <a:pPr lvl="1">
+              <a:defRPr sz="2800"/>
+            </a:pPr>
+            <a:r>
+              <a:rPr sz="2400" dirty="0"/>
+              <a:t>Events always appended. “Never” erased.</a:t>
+            </a:r>
+          </a:p>
+          <a:p>
+            <a:pPr marL="320842" indent="-320842">
+              <a:defRPr sz="2800"/>
+            </a:pPr>
+            <a:r>
+              <a:rPr sz="2400" dirty="0"/>
+              <a:t>Logs must be analyzed often to detect suspect activity</a:t>
+            </a:r>
+          </a:p>
+          <a:p>
+            <a:pPr marL="320842" indent="-320842">
+              <a:defRPr sz="2800"/>
+            </a:pPr>
+            <a:r>
+              <a:rPr sz="2400" dirty="0"/>
+              <a:t>What to log?</a:t>
+            </a:r>
+          </a:p>
+          <a:p>
+            <a:pPr lvl="1">
+              <a:defRPr sz="2800"/>
+            </a:pPr>
+            <a:r>
+              <a:rPr sz="2400" dirty="0"/>
+              <a:t>Too much logging </a:t>
+            </a:r>
+          </a:p>
+          <a:p>
+            <a:pPr lvl="2">
+              <a:defRPr sz="2800"/>
+            </a:pPr>
+            <a:r>
+              <a:rPr sz="2400" dirty="0"/>
+              <a:t>takes up storage</a:t>
+            </a:r>
+          </a:p>
+          <a:p>
+            <a:pPr lvl="2">
+              <a:defRPr sz="2800"/>
+            </a:pPr>
+            <a:r>
+              <a:rPr sz="2400" dirty="0"/>
+              <a:t>slows down normal operations. </a:t>
+            </a:r>
+          </a:p>
+          <a:p>
+            <a:pPr lvl="2">
+              <a:defRPr sz="2800"/>
+            </a:pPr>
+            <a:r>
+              <a:rPr sz="2400" dirty="0"/>
+              <a:t>Slows down analysis.</a:t>
+            </a:r>
+          </a:p>
+          <a:p>
+            <a:pPr lvl="1">
+              <a:defRPr sz="2800"/>
+            </a:pPr>
+            <a:r>
+              <a:rPr sz="2400" dirty="0"/>
+              <a:t>Too little logging and you miss critical events.</a:t>
+            </a:r>
+          </a:p>
+          <a:p>
+            <a:pPr marL="320842" indent="-320842">
+              <a:defRPr sz="2800"/>
+            </a:pPr>
+            <a:r>
+              <a:rPr sz="2400" dirty="0"/>
+              <a:t>Privacy risk</a:t>
+            </a:r>
+          </a:p>
+          <a:p>
+            <a:pPr lvl="1">
+              <a:defRPr sz="2800"/>
+            </a:pPr>
+            <a:r>
+              <a:rPr sz="2400" dirty="0"/>
+              <a:t>Can break laws. </a:t>
+            </a:r>
+          </a:p>
+          <a:p>
+            <a:pPr lvl="1">
+              <a:defRPr sz="2800"/>
+            </a:pPr>
+            <a:r>
+              <a:rPr sz="2400" dirty="0"/>
+              <a:t>Or violate user’s perception of privacy. (sometimes more </a:t>
+            </a:r>
+            <a:r>
+              <a:rPr sz="2400" dirty="0" smtClean="0"/>
+              <a:t>important)</a:t>
+            </a:r>
+            <a:endParaRPr sz="2400" dirty="0"/>
           </a:p>
         </p:txBody>
       </p:sp>
@@ -2511,7 +2456,7 @@
       </p:grpSpPr>
       <p:sp>
         <p:nvSpPr>
-          <p:cNvPr id="97" name="Shape 97"/>
+          <p:cNvPr id="106" name="Shape 106"/>
           <p:cNvSpPr>
             <a:spLocks noGrp="1"/>
           </p:cNvSpPr>
@@ -2529,14 +2474,14 @@
           <a:lstStyle/>
           <a:p>
             <a:r>
-              <a:t>Logging</a:t>
+              <a:t>Sandboxes</a:t>
             </a:r>
           </a:p>
         </p:txBody>
       </p:sp>
       <p:sp>
         <p:nvSpPr>
-          <p:cNvPr id="98" name="Shape 98"/>
+          <p:cNvPr id="107" name="Shape 107"/>
           <p:cNvSpPr>
             <a:spLocks noGrp="1"/>
           </p:cNvSpPr>
@@ -2546,8 +2491,8 @@
         </p:nvSpPr>
         <p:spPr>
           <a:xfrm>
-            <a:off x="112463" y="933896"/>
-            <a:ext cx="8919073" cy="5924104"/>
+            <a:off x="328363" y="1222374"/>
+            <a:ext cx="8209212" cy="5419726"/>
           </a:xfrm>
           <a:prstGeom prst="rect">
             <a:avLst/>
@@ -2561,8 +2506,8 @@
               <a:defRPr sz="2800"/>
             </a:pPr>
             <a:r>
-              <a:rPr sz="2400" dirty="0"/>
-              <a:t>Logs: A time-wise record of system activity.</a:t>
+              <a:rPr lang="en-US" sz="2000" dirty="0" smtClean="0"/>
+              <a:t>A restricted execution environment for untrusted programs.</a:t>
             </a:r>
           </a:p>
           <a:p>
@@ -2570,26 +2515,85 @@
               <a:defRPr sz="2800"/>
             </a:pPr>
             <a:r>
-              <a:rPr sz="2400" dirty="0"/>
-              <a:t>Events always appended. “Never” erased.</a:t>
+              <a:rPr sz="2000" dirty="0" smtClean="0"/>
+              <a:t>Run </a:t>
+            </a:r>
+            <a:r>
+              <a:rPr sz="2000" dirty="0"/>
+              <a:t>dowloaded </a:t>
+            </a:r>
+            <a:r>
+              <a:rPr lang="en-US" sz="2000" dirty="0" smtClean="0"/>
+              <a:t>apps </a:t>
+            </a:r>
+            <a:r>
+              <a:rPr sz="2000" dirty="0" smtClean="0"/>
+              <a:t>in </a:t>
+            </a:r>
+            <a:r>
+              <a:rPr sz="2000" dirty="0"/>
+              <a:t>a </a:t>
+            </a:r>
+            <a:r>
+              <a:rPr lang="en-US" sz="2000" dirty="0" smtClean="0"/>
+              <a:t>system </a:t>
+            </a:r>
+            <a:r>
+              <a:rPr sz="2000" dirty="0" smtClean="0"/>
+              <a:t>VM</a:t>
+            </a:r>
+            <a:r>
+              <a:rPr lang="en-US" sz="2000" dirty="0"/>
+              <a:t>/</a:t>
+            </a:r>
+            <a:r>
+              <a:rPr lang="en-US" sz="2000" dirty="0" smtClean="0"/>
+              <a:t>process VM/container.</a:t>
+            </a:r>
+            <a:endParaRPr sz="2000" dirty="0"/>
+          </a:p>
+          <a:p>
+            <a:pPr lvl="1">
+              <a:defRPr sz="2800"/>
+            </a:pPr>
+            <a:r>
+              <a:rPr sz="2000" dirty="0"/>
+              <a:t>Isolate trojans/viruses, worms</a:t>
             </a:r>
           </a:p>
           <a:p>
             <a:pPr marL="320842" indent="-320842">
               <a:defRPr sz="2800"/>
             </a:pPr>
-            <a:r>
-              <a:rPr sz="2400" dirty="0"/>
-              <a:t>Logs must be analyzed often to detect suspect activity</a:t>
-            </a:r>
+            <a:endParaRPr sz="2000" dirty="0"/>
           </a:p>
           <a:p>
             <a:pPr marL="320842" indent="-320842">
               <a:defRPr sz="2800"/>
             </a:pPr>
             <a:r>
-              <a:rPr sz="2400" dirty="0"/>
-              <a:t>What to log?</a:t>
+              <a:rPr sz="2000" dirty="0"/>
+              <a:t>Effectiveness of isolation only as effective as the </a:t>
+            </a:r>
+            <a:r>
+              <a:rPr lang="en-US" sz="2000" dirty="0" smtClean="0"/>
+              <a:t>implementation </a:t>
+            </a:r>
+            <a:r>
+              <a:rPr sz="2000" dirty="0" smtClean="0"/>
+              <a:t>of </a:t>
+            </a:r>
+            <a:r>
+              <a:rPr sz="2000" dirty="0"/>
+              <a:t>the </a:t>
+            </a:r>
+            <a:r>
+              <a:rPr sz="2000" dirty="0" smtClean="0"/>
+              <a:t>Sandbox</a:t>
+            </a:r>
+            <a:r>
+              <a:rPr lang="en-US" sz="2000" dirty="0" smtClean="0"/>
+              <a:t> </a:t>
             </a:r>
           </a:p>
           <a:p>
@@ -2597,35 +2601,24 @@
               <a:defRPr sz="2800"/>
             </a:pPr>
             <a:r>
-              <a:rPr sz="2400" dirty="0"/>
-              <a:t>Too much logging </a:t>
-            </a:r>
-          </a:p>
-          <a:p>
-            <a:pPr lvl="2">
+              <a:rPr lang="en-US" sz="2000" dirty="0" smtClean="0"/>
+              <a:t>“Gates” must be accompanied by effective “fencing”.</a:t>
+            </a:r>
+            <a:endParaRPr sz="2000" dirty="0"/>
+          </a:p>
+          <a:p>
+            <a:pPr marL="320842" indent="-320842">
               <a:defRPr sz="2800"/>
             </a:pPr>
-            <a:r>
-              <a:rPr sz="2400" dirty="0"/>
-              <a:t>takes up storage</a:t>
-            </a:r>
-          </a:p>
-          <a:p>
-            <a:pPr lvl="2">
+            <a:endParaRPr sz="2000" dirty="0"/>
+          </a:p>
+          <a:p>
+            <a:pPr marL="320842" indent="-320842">
               <a:defRPr sz="2800"/>
             </a:pPr>
             <a:r>
-              <a:rPr sz="2400" dirty="0"/>
-              <a:t>slows down normal operations. </a:t>
-            </a:r>
-          </a:p>
-          <a:p>
-            <a:pPr lvl="2">
-              <a:defRPr sz="2800"/>
-            </a:pPr>
-            <a:r>
-              <a:rPr sz="2400" dirty="0"/>
-              <a:t>Slows down analysis.</a:t>
+              <a:rPr sz="2000" dirty="0"/>
+              <a:t>VM Escapes and Jail-breaks are possible.</a:t>
             </a:r>
           </a:p>
           <a:p>
@@ -2633,35 +2626,8 @@
               <a:defRPr sz="2800"/>
             </a:pPr>
             <a:r>
-              <a:rPr sz="2400" dirty="0"/>
-              <a:t>Too little logging and you miss critical events.</a:t>
-            </a:r>
-          </a:p>
-          <a:p>
-            <a:pPr marL="320842" indent="-320842">
-              <a:defRPr sz="2800"/>
-            </a:pPr>
-            <a:r>
-              <a:rPr sz="2400" dirty="0"/>
-              <a:t>Privacy risk</a:t>
-            </a:r>
-          </a:p>
-          <a:p>
-            <a:pPr lvl="1">
-              <a:defRPr sz="2800"/>
-            </a:pPr>
-            <a:r>
-              <a:rPr sz="2400" dirty="0"/>
-              <a:t>Can break laws. </a:t>
-            </a:r>
-          </a:p>
-          <a:p>
-            <a:pPr lvl="1">
-              <a:defRPr sz="2800"/>
-            </a:pPr>
-            <a:r>
-              <a:rPr sz="2400" dirty="0"/>
-              <a:t>Or violate user’s perception of privacy. (sometimes more important.)</a:t>
+              <a:rPr sz="2000" dirty="0"/>
+              <a:t>Usually due to implementation bugs in the hypervisor or runtime</a:t>
             </a:r>
           </a:p>
         </p:txBody>
@@ -2694,7 +2660,7 @@
       </p:grpSpPr>
       <p:sp>
         <p:nvSpPr>
-          <p:cNvPr id="100" name="Shape 100"/>
+          <p:cNvPr id="109" name="Shape 109"/>
           <p:cNvSpPr>
             <a:spLocks noGrp="1"/>
           </p:cNvSpPr>
@@ -2708,20 +2674,19 @@
           </a:prstGeom>
         </p:spPr>
         <p:txBody>
-          <a:bodyPr>
-            <a:normAutofit/>
-          </a:bodyPr>
+          <a:bodyPr/>
           <a:lstStyle/>
           <a:p>
-            <a:r>
-              <a:t>Other ways to gain access</a:t>
+            <a:pPr lvl="1"/>
+            <a:r>
+              <a:t>Access control</a:t>
             </a:r>
           </a:p>
         </p:txBody>
       </p:sp>
       <p:sp>
         <p:nvSpPr>
-          <p:cNvPr id="101" name="Shape 101"/>
+          <p:cNvPr id="110" name="Shape 110"/>
           <p:cNvSpPr>
             <a:spLocks noGrp="1"/>
           </p:cNvSpPr>
@@ -2731,84 +2696,113 @@
         </p:nvSpPr>
         <p:spPr>
           <a:xfrm>
-            <a:off x="126156" y="1158875"/>
-            <a:ext cx="8891688" cy="5303193"/>
+            <a:off x="112463" y="914449"/>
+            <a:ext cx="8653068" cy="5943551"/>
           </a:xfrm>
           <a:prstGeom prst="rect">
             <a:avLst/>
           </a:prstGeom>
         </p:spPr>
         <p:txBody>
-          <a:bodyPr>
-            <a:normAutofit/>
-          </a:bodyPr>
+          <a:bodyPr/>
           <a:lstStyle/>
           <a:p>
-            <a:pPr>
-              <a:spcBef>
-                <a:spcPts val="600"/>
-              </a:spcBef>
-            </a:pPr>
-            <a:endParaRPr sz="2800"/>
-          </a:p>
-          <a:p>
-            <a:pPr marL="280736" indent="-280736">
-              <a:spcBef>
-                <a:spcPts val="600"/>
-              </a:spcBef>
-            </a:pPr>
-            <a:r>
-              <a:rPr sz="2800"/>
-              <a:t>Trying privileged system calls to see what happens</a:t>
-            </a:r>
-          </a:p>
-          <a:p>
-            <a:pPr>
-              <a:spcBef>
-                <a:spcPts val="600"/>
-              </a:spcBef>
-            </a:pPr>
-            <a:endParaRPr sz="2800"/>
-          </a:p>
-          <a:p>
-            <a:pPr marL="280736" indent="-280736">
-              <a:spcBef>
-                <a:spcPts val="600"/>
-              </a:spcBef>
-            </a:pPr>
-            <a:r>
-              <a:rPr sz="2800"/>
-              <a:t>Doing specified DO NOTs</a:t>
-            </a:r>
-          </a:p>
-          <a:p>
-            <a:pPr marL="661736" lvl="1" indent="-280736">
-              <a:spcBef>
-                <a:spcPts val="600"/>
-              </a:spcBef>
-            </a:pPr>
-            <a:r>
-              <a:rPr sz="2800"/>
-              <a:t>“Only authorized personnel beyond this point”</a:t>
-            </a:r>
-          </a:p>
-          <a:p>
-            <a:pPr>
-              <a:spcBef>
-                <a:spcPts val="600"/>
-              </a:spcBef>
-            </a:pPr>
-            <a:endParaRPr sz="2800"/>
-          </a:p>
-          <a:p>
-            <a:pPr marL="280736" indent="-280736">
-              <a:spcBef>
-                <a:spcPts val="600"/>
-              </a:spcBef>
-            </a:pPr>
-            <a:r>
-              <a:rPr sz="2800"/>
-              <a:t>Convince a system programmer to add a backdoor</a:t>
+            <a:pPr marL="320842" indent="-320842">
+              <a:defRPr sz="2300"/>
+            </a:pPr>
+            <a:r>
+              <a:rPr b="1" dirty="0"/>
+              <a:t>Discretionary access control (DAC)</a:t>
+            </a:r>
+          </a:p>
+          <a:p>
+            <a:pPr lvl="1">
+              <a:defRPr sz="2300"/>
+            </a:pPr>
+            <a:r>
+              <a:rPr dirty="0"/>
+              <a:t>“John can access X. Alice can do Y.”</a:t>
+            </a:r>
+          </a:p>
+          <a:p>
+            <a:pPr lvl="1">
+              <a:defRPr sz="2300"/>
+            </a:pPr>
+            <a:r>
+              <a:rPr dirty="0"/>
+              <a:t>Commodity systems</a:t>
+            </a:r>
+          </a:p>
+          <a:p>
+            <a:pPr marL="320842" indent="-320842">
+              <a:defRPr sz="2300"/>
+            </a:pPr>
+            <a:r>
+              <a:rPr b="1" dirty="0"/>
+              <a:t>Mandatory access control (MAC)</a:t>
+            </a:r>
+          </a:p>
+          <a:p>
+            <a:pPr lvl="1">
+              <a:defRPr sz="2300"/>
+            </a:pPr>
+            <a:r>
+              <a:rPr dirty="0"/>
+              <a:t>Military/spy systems </a:t>
+            </a:r>
+          </a:p>
+          <a:p>
+            <a:pPr lvl="1">
+              <a:defRPr sz="2300"/>
+            </a:pPr>
+            <a:r>
+              <a:rPr dirty="0"/>
+              <a:t>More later</a:t>
+            </a:r>
+          </a:p>
+          <a:p>
+            <a:pPr marL="320842" indent="-320842">
+              <a:defRPr sz="2300"/>
+            </a:pPr>
+            <a:r>
+              <a:rPr b="1" dirty="0"/>
+              <a:t>Role-based access control (RBAC)</a:t>
+            </a:r>
+          </a:p>
+          <a:p>
+            <a:pPr lvl="1">
+              <a:defRPr sz="2300"/>
+            </a:pPr>
+            <a:r>
+              <a:rPr dirty="0"/>
+              <a:t>“CEO can do X. Software Engineer can do Y. Secretary can do Z”.</a:t>
+            </a:r>
+          </a:p>
+          <a:p>
+            <a:pPr lvl="1">
+              <a:defRPr sz="2300"/>
+            </a:pPr>
+            <a:r>
+              <a:rPr dirty="0"/>
+              <a:t>Enterprise systems</a:t>
+            </a:r>
+          </a:p>
+          <a:p>
+            <a:pPr marL="320842" indent="-320842">
+              <a:defRPr sz="2300"/>
+            </a:pPr>
+            <a:r>
+              <a:rPr b="1" dirty="0"/>
+              <a:t>Administrative Role-based Access Control</a:t>
+            </a:r>
+          </a:p>
+          <a:p>
+            <a:pPr lvl="1">
+              <a:defRPr sz="2300"/>
+            </a:pPr>
+            <a:r>
+              <a:rPr dirty="0"/>
+              <a:t>“Dean can allow department chair to do X. Dept chair can allow secretary to do Y”</a:t>
             </a:r>
           </a:p>
         </p:txBody>
@@ -2841,7 +2835,7 @@
       </p:grpSpPr>
       <p:sp>
         <p:nvSpPr>
-          <p:cNvPr id="103" name="Shape 103"/>
+          <p:cNvPr id="112" name="Shape 112"/>
           <p:cNvSpPr>
             <a:spLocks noGrp="1"/>
           </p:cNvSpPr>
@@ -2850,124 +2844,211 @@
           </p:nvPr>
         </p:nvSpPr>
         <p:spPr>
+          <a:xfrm>
+            <a:off x="199883" y="88899"/>
+            <a:ext cx="8356287" cy="1143002"/>
+          </a:xfrm>
           <a:prstGeom prst="rect">
             <a:avLst/>
           </a:prstGeom>
         </p:spPr>
         <p:txBody>
-          <a:bodyPr/>
-          <a:lstStyle/>
-          <a:p>
-            <a:r>
-              <a:t>Design Principles for Security</a:t>
+          <a:bodyPr>
+            <a:normAutofit fontScale="90000"/>
+          </a:bodyPr>
+          <a:lstStyle>
+            <a:lvl1pPr>
+              <a:defRPr sz="3600"/>
+            </a:lvl1pPr>
+          </a:lstStyle>
+          <a:p>
+            <a:pPr>
+              <a:defRPr sz="4400"/>
+            </a:pPr>
+            <a:r>
+              <a:rPr sz="3600"/>
+              <a:t>Reference Monitor and  Trusted Computing Base</a:t>
             </a:r>
           </a:p>
         </p:txBody>
       </p:sp>
       <p:sp>
         <p:nvSpPr>
-          <p:cNvPr id="104" name="Shape 104"/>
+          <p:cNvPr id="113" name="Shape 113"/>
           <p:cNvSpPr>
             <a:spLocks noGrp="1"/>
           </p:cNvSpPr>
           <p:nvPr>
-            <p:ph type="body" idx="1"/>
+            <p:ph type="body" sz="half" idx="1"/>
           </p:nvPr>
         </p:nvSpPr>
         <p:spPr>
           <a:xfrm>
-            <a:off x="112463" y="1082674"/>
-            <a:ext cx="8919074" cy="5712571"/>
+            <a:off x="198883" y="4017367"/>
+            <a:ext cx="8569624" cy="2666108"/>
           </a:xfrm>
           <a:prstGeom prst="rect">
             <a:avLst/>
           </a:prstGeom>
         </p:spPr>
         <p:txBody>
-          <a:bodyPr/>
+          <a:bodyPr>
+            <a:normAutofit fontScale="70000" lnSpcReduction="20000"/>
+          </a:bodyPr>
           <a:lstStyle/>
           <a:p>
-            <a:pPr marL="320842" indent="-320842">
-              <a:defRPr sz="2900"/>
-            </a:pPr>
-            <a:r>
-              <a:t>Default should be no access</a:t>
-            </a:r>
-          </a:p>
-          <a:p>
-            <a:pPr marL="320842" indent="-320842">
-              <a:defRPr sz="2900"/>
-            </a:pPr>
-            <a:r>
-              <a:t>Check for current authority</a:t>
-            </a:r>
-          </a:p>
-          <a:p>
-            <a:pPr marL="320842" indent="-320842">
-              <a:defRPr sz="2900"/>
-            </a:pPr>
-            <a:r>
-              <a:t>Give each process least privilege possible</a:t>
-            </a:r>
-          </a:p>
-          <a:p>
-            <a:pPr marL="320842" indent="-320842">
-              <a:defRPr sz="2900"/>
-            </a:pPr>
-            <a:r>
-              <a:t>Protection mechanism should be</a:t>
-            </a:r>
-          </a:p>
-          <a:p>
-            <a:pPr lvl="1">
-              <a:defRPr sz="2900"/>
-            </a:pPr>
-            <a:r>
-              <a:t>simple</a:t>
-            </a:r>
-          </a:p>
-          <a:p>
-            <a:pPr lvl="1">
-              <a:defRPr sz="2900"/>
-            </a:pPr>
-            <a:r>
-              <a:t>uniform</a:t>
-            </a:r>
-          </a:p>
-          <a:p>
-            <a:pPr lvl="1">
-              <a:defRPr sz="2900"/>
-            </a:pPr>
-            <a:r>
-              <a:t>in lowest layers of system</a:t>
-            </a:r>
-          </a:p>
-          <a:p>
-            <a:pPr marL="320842" indent="-320842">
-              <a:defRPr sz="2900"/>
-            </a:pPr>
-            <a:r>
-              <a:t>Scheme should be simple and psychologically acceptable</a:t>
-            </a:r>
-          </a:p>
-          <a:p>
-            <a:pPr lvl="1">
-              <a:defRPr sz="2900"/>
-            </a:pPr>
-            <a:r>
-              <a:t>If its too hard, users will get around it. </a:t>
-            </a:r>
-          </a:p>
-          <a:p>
-            <a:pPr lvl="1">
-              <a:defRPr sz="2900"/>
-            </a:pPr>
-            <a:r>
-              <a:t>Like using post-it notes on the monitor.</a:t>
+            <a:pPr marL="252663" indent="-252663" defTabSz="640079">
+              <a:spcBef>
+                <a:spcPts val="600"/>
+              </a:spcBef>
+              <a:defRPr sz="2240"/>
+            </a:pPr>
+            <a:r>
+              <a:rPr sz="2520" dirty="0"/>
+              <a:t>A reference monitor, enforces access control/capabilities.</a:t>
+            </a:r>
+          </a:p>
+          <a:p>
+            <a:pPr marL="519363" lvl="1" indent="-252663" defTabSz="640079">
+              <a:spcBef>
+                <a:spcPts val="600"/>
+              </a:spcBef>
+              <a:defRPr sz="2240"/>
+            </a:pPr>
+            <a:r>
+              <a:rPr sz="2520" dirty="0"/>
+              <a:t>also called “security kernel”</a:t>
+            </a:r>
+          </a:p>
+          <a:p>
+            <a:pPr marL="252663" indent="-252663" defTabSz="640079">
+              <a:spcBef>
+                <a:spcPts val="600"/>
+              </a:spcBef>
+              <a:defRPr sz="2240"/>
+            </a:pPr>
+            <a:r>
+              <a:rPr sz="2520" dirty="0"/>
+              <a:t>Its “trusted” because it MUST work correctly to ensure rest of the system is secure</a:t>
+            </a:r>
+            <a:r>
+              <a:rPr sz="2520" dirty="0" smtClean="0"/>
+              <a:t>.</a:t>
+            </a:r>
+            <a:endParaRPr lang="en-US" sz="2520" dirty="0" smtClean="0"/>
+          </a:p>
+          <a:p>
+            <a:pPr marL="633663" lvl="1" indent="-252663" defTabSz="640079">
+              <a:spcBef>
+                <a:spcPts val="600"/>
+              </a:spcBef>
+              <a:defRPr sz="2240"/>
+            </a:pPr>
+            <a:r>
+              <a:rPr lang="en-US" sz="2520" dirty="0" smtClean="0"/>
+              <a:t>“Trusted” doesn’t automatically mean “secure”.</a:t>
+            </a:r>
+          </a:p>
+          <a:p>
+            <a:pPr marL="633663" lvl="1" indent="-252663" defTabSz="640079">
+              <a:spcBef>
+                <a:spcPts val="600"/>
+              </a:spcBef>
+              <a:defRPr sz="2240"/>
+            </a:pPr>
+            <a:r>
+              <a:rPr lang="en-US" sz="2520" dirty="0" smtClean="0"/>
+              <a:t>A “Trusted” system means that user has no choice but to assume that the system is secure. </a:t>
+            </a:r>
+            <a:endParaRPr sz="2520" dirty="0"/>
+          </a:p>
+          <a:p>
+            <a:pPr marL="252663" indent="-252663" defTabSz="640079">
+              <a:spcBef>
+                <a:spcPts val="600"/>
+              </a:spcBef>
+              <a:defRPr sz="2240"/>
+            </a:pPr>
+            <a:r>
+              <a:rPr lang="en-US" sz="2520" dirty="0" smtClean="0"/>
+              <a:t>Reference monitor is u</a:t>
+            </a:r>
+            <a:r>
+              <a:rPr sz="2520" dirty="0" smtClean="0"/>
+              <a:t>sually </a:t>
+            </a:r>
+            <a:r>
+              <a:rPr sz="2520" dirty="0"/>
+              <a:t>small, so it can be verified easily.</a:t>
+            </a:r>
+          </a:p>
+          <a:p>
+            <a:pPr marL="252663" indent="-252663" defTabSz="640079">
+              <a:spcBef>
+                <a:spcPts val="600"/>
+              </a:spcBef>
+              <a:defRPr sz="2240"/>
+            </a:pPr>
+            <a:r>
+              <a:rPr sz="2520" dirty="0" smtClean="0"/>
+              <a:t>Verification</a:t>
+            </a:r>
+            <a:r>
+              <a:rPr lang="en-US" sz="2520" dirty="0" smtClean="0"/>
+              <a:t> can be </a:t>
+            </a:r>
+            <a:r>
+              <a:rPr sz="2520" dirty="0" smtClean="0"/>
+              <a:t>either </a:t>
+            </a:r>
+            <a:r>
+              <a:rPr sz="2520" dirty="0"/>
+              <a:t>manual or automated. Hard </a:t>
+            </a:r>
+            <a:r>
+              <a:rPr lang="en-US" sz="2520" dirty="0" smtClean="0"/>
+              <a:t>to verify </a:t>
+            </a:r>
+            <a:r>
+              <a:rPr sz="2520" dirty="0" smtClean="0"/>
+              <a:t>either </a:t>
+            </a:r>
+            <a:r>
+              <a:rPr sz="2520" dirty="0"/>
+              <a:t>way.</a:t>
             </a:r>
           </a:p>
         </p:txBody>
       </p:sp>
+      <p:pic>
+        <p:nvPicPr>
+          <p:cNvPr id="114" name="9-29.jpg"/>
+          <p:cNvPicPr>
+            <a:picLocks noChangeAspect="1"/>
+          </p:cNvPicPr>
+          <p:nvPr/>
+        </p:nvPicPr>
+        <p:blipFill>
+          <a:blip r:embed="rId2">
+            <a:extLst/>
+          </a:blip>
+          <a:stretch>
+            <a:fillRect/>
+          </a:stretch>
+        </p:blipFill>
+        <p:spPr>
+          <a:xfrm>
+            <a:off x="1869750" y="975244"/>
+            <a:ext cx="6263013" cy="2899820"/>
+          </a:xfrm>
+          <a:prstGeom prst="rect">
+            <a:avLst/>
+          </a:prstGeom>
+          <a:ln w="12700">
+            <a:miter lim="400000"/>
+          </a:ln>
+        </p:spPr>
+      </p:pic>
     </p:spTree>
   </p:cSld>
   <p:clrMapOvr>
@@ -2996,7 +3077,7 @@
       </p:grpSpPr>
       <p:sp>
         <p:nvSpPr>
-          <p:cNvPr id="106" name="Shape 106"/>
+          <p:cNvPr id="116" name="Shape 116"/>
           <p:cNvSpPr>
             <a:spLocks noGrp="1"/>
           </p:cNvSpPr>
@@ -3013,15 +3094,16 @@
           <a:bodyPr/>
           <a:lstStyle/>
           <a:p>
-            <a:r>
-              <a:t>Sandboxes</a:t>
+            <a:pPr lvl="1"/>
+            <a:r>
+              <a:t>Multi-level Security</a:t>
             </a:r>
           </a:p>
         </p:txBody>
       </p:sp>
       <p:sp>
         <p:nvSpPr>
-          <p:cNvPr id="107" name="Shape 107"/>
+          <p:cNvPr id="117" name="Shape 117"/>
           <p:cNvSpPr>
             <a:spLocks noGrp="1"/>
           </p:cNvSpPr>
@@ -3031,8 +3113,8 @@
         </p:nvSpPr>
         <p:spPr>
           <a:xfrm>
-            <a:off x="328363" y="1222374"/>
-            <a:ext cx="8209212" cy="5419726"/>
+            <a:off x="112464" y="1057274"/>
+            <a:ext cx="8919072" cy="5693173"/>
           </a:xfrm>
           <a:prstGeom prst="rect">
             <a:avLst/>
@@ -3043,60 +3125,83 @@
           <a:lstStyle/>
           <a:p>
             <a:pPr marL="320842" indent="-320842">
-              <a:defRPr sz="2800"/>
-            </a:pPr>
-            <a:r>
-              <a:t>Run dowloaded code/browser in a VM or a “Jail”.</a:t>
+              <a:defRPr sz="2600"/>
+            </a:pPr>
+            <a:r>
+              <a:rPr dirty="0"/>
+              <a:t>Also called Mandatory Access Control (MAC)</a:t>
+            </a:r>
+          </a:p>
+          <a:p>
+            <a:pPr lvl="1">
+              <a:defRPr sz="2600"/>
+            </a:pPr>
+            <a:r>
+              <a:rPr dirty="0"/>
+              <a:t>As opposed to Discretionary Access Control (DAC) in commodity systems.</a:t>
             </a:r>
           </a:p>
           <a:p>
             <a:pPr marL="320842" indent="-320842">
-              <a:defRPr sz="2800"/>
-            </a:pPr>
-            <a:endParaRPr/>
+              <a:defRPr sz="2600"/>
+            </a:pPr>
+            <a:endParaRPr dirty="0"/>
           </a:p>
           <a:p>
             <a:pPr marL="320842" indent="-320842">
-              <a:defRPr sz="2800"/>
-            </a:pPr>
-            <a:r>
-              <a:t>Isolate trojans/viruses, worms</a:t>
+              <a:defRPr sz="2600"/>
+            </a:pPr>
+            <a:r>
+              <a:rPr dirty="0"/>
+              <a:t>Data objects are classified at different levels</a:t>
+            </a:r>
+          </a:p>
+          <a:p>
+            <a:pPr lvl="1">
+              <a:defRPr sz="2600"/>
+            </a:pPr>
+            <a:r>
+              <a:rPr dirty="0"/>
+              <a:t>Top secret, secret, confidential, unclassified etc</a:t>
+            </a:r>
+          </a:p>
+          <a:p>
+            <a:pPr lvl="1">
+              <a:defRPr sz="2600"/>
+            </a:pPr>
+            <a:r>
+              <a:rPr dirty="0"/>
+              <a:t>Sometimes additional compartments: Crypto, Subs, NoForn</a:t>
             </a:r>
           </a:p>
           <a:p>
             <a:pPr marL="320842" indent="-320842">
-              <a:defRPr sz="2800"/>
-            </a:pPr>
-            <a:endParaRPr/>
+              <a:defRPr sz="2600"/>
+            </a:pPr>
+            <a:endParaRPr dirty="0"/>
           </a:p>
           <a:p>
             <a:pPr marL="320842" indent="-320842">
-              <a:defRPr sz="2800"/>
-            </a:pPr>
-            <a:r>
-              <a:t>Effectiveness of isolation only as effective as the security of the Sandbox.</a:t>
+              <a:defRPr sz="2600"/>
+            </a:pPr>
+            <a:r>
+              <a:rPr dirty="0"/>
+              <a:t>People (and computers) have clearances</a:t>
             </a:r>
           </a:p>
           <a:p>
             <a:pPr marL="320842" indent="-320842">
-              <a:defRPr sz="2800"/>
-            </a:pPr>
-            <a:endParaRPr/>
+              <a:defRPr sz="2600"/>
+            </a:pPr>
+            <a:endParaRPr dirty="0"/>
           </a:p>
           <a:p>
             <a:pPr marL="320842" indent="-320842">
-              <a:defRPr sz="2800"/>
-            </a:pPr>
-            <a:r>
-              <a:t>VM Escapes and Jail-breaks are possible.</a:t>
-            </a:r>
-          </a:p>
-          <a:p>
-            <a:pPr lvl="1">
-              <a:defRPr sz="2800"/>
-            </a:pPr>
-            <a:r>
-              <a:t>Usually due to implementation bugs in the hypervisor or runtime</a:t>
+              <a:defRPr sz="2600"/>
+            </a:pPr>
+            <a:r>
+              <a:rPr dirty="0"/>
+              <a:t>Informally: To see a data object, you must have clearance for that level and for that compartment.</a:t>
             </a:r>
           </a:p>
         </p:txBody>
@@ -3129,7 +3234,7 @@
       </p:grpSpPr>
       <p:sp>
         <p:nvSpPr>
-          <p:cNvPr id="109" name="Shape 109"/>
+          <p:cNvPr id="119" name="Shape 119"/>
           <p:cNvSpPr>
             <a:spLocks noGrp="1"/>
           </p:cNvSpPr>
@@ -3138,6 +3243,10 @@
           </p:nvPr>
         </p:nvSpPr>
         <p:spPr>
+          <a:xfrm>
+            <a:off x="50155" y="0"/>
+            <a:ext cx="8941148" cy="1143000"/>
+          </a:xfrm>
           <a:prstGeom prst="rect">
             <a:avLst/>
           </a:prstGeom>
@@ -3146,121 +3255,1092 @@
           <a:bodyPr/>
           <a:lstStyle/>
           <a:p>
-            <a:pPr lvl="1"/>
-            <a:r>
-              <a:t>Access control</a:t>
+            <a:r>
+              <a:t>MLS: No Read UP, No Write DOWN</a:t>
             </a:r>
           </a:p>
         </p:txBody>
       </p:sp>
       <p:sp>
         <p:nvSpPr>
-          <p:cNvPr id="110" name="Shape 110"/>
-          <p:cNvSpPr>
-            <a:spLocks noGrp="1"/>
-          </p:cNvSpPr>
-          <p:nvPr>
-            <p:ph type="body" idx="1"/>
-          </p:nvPr>
+          <p:cNvPr id="120" name="Shape 120"/>
+          <p:cNvSpPr/>
+          <p:nvPr/>
         </p:nvSpPr>
         <p:spPr>
           <a:xfrm>
-            <a:off x="112463" y="914449"/>
-            <a:ext cx="8653068" cy="5943551"/>
+            <a:off x="160090" y="4889384"/>
+            <a:ext cx="428676" cy="395993"/>
           </a:xfrm>
           <a:prstGeom prst="rect">
             <a:avLst/>
           </a:prstGeom>
+          <a:solidFill>
+            <a:srgbClr val="FFFFCC"/>
+          </a:solidFill>
+          <a:ln w="25400">
+            <a:solidFill>
+              <a:schemeClr val="accent1"/>
+            </a:solidFill>
+            <a:bevel/>
+          </a:ln>
         </p:spPr>
         <p:txBody>
-          <a:bodyPr/>
+          <a:bodyPr lIns="45719" rIns="45719"/>
           <a:lstStyle/>
           <a:p>
-            <a:pPr marL="320842" indent="-320842">
-              <a:defRPr sz="2300"/>
-            </a:pPr>
-            <a:r>
-              <a:t>Discretionary access control (DAC)</a:t>
-            </a:r>
-          </a:p>
-          <a:p>
-            <a:pPr lvl="1">
-              <a:defRPr sz="2300"/>
-            </a:pPr>
-            <a:r>
-              <a:t>“John can access X. Alice can do Y.”</a:t>
-            </a:r>
-          </a:p>
-          <a:p>
-            <a:pPr lvl="1">
-              <a:defRPr sz="2300"/>
-            </a:pPr>
-            <a:r>
-              <a:t>Commodity systems</a:t>
-            </a:r>
-          </a:p>
-          <a:p>
-            <a:pPr marL="320842" indent="-320842">
-              <a:defRPr sz="2300"/>
-            </a:pPr>
-            <a:r>
-              <a:t>Mandatory access control (MAC)</a:t>
-            </a:r>
-          </a:p>
-          <a:p>
-            <a:pPr lvl="1">
-              <a:defRPr sz="2300"/>
-            </a:pPr>
-            <a:r>
-              <a:t>Military/spy systems </a:t>
-            </a:r>
-          </a:p>
-          <a:p>
-            <a:pPr lvl="1">
-              <a:defRPr sz="2300"/>
-            </a:pPr>
-            <a:r>
-              <a:t>More later</a:t>
-            </a:r>
-          </a:p>
-          <a:p>
-            <a:pPr marL="320842" indent="-320842">
-              <a:defRPr sz="2300"/>
-            </a:pPr>
-            <a:r>
-              <a:t>Role-based access control (RBAC)</a:t>
-            </a:r>
-          </a:p>
-          <a:p>
-            <a:pPr lvl="1">
-              <a:defRPr sz="2300"/>
-            </a:pPr>
-            <a:r>
-              <a:t>“CEO can do X. Software Engineer can do Y. Secretary can do Z”.</a:t>
-            </a:r>
-          </a:p>
-          <a:p>
-            <a:pPr lvl="1">
-              <a:defRPr sz="2300"/>
-            </a:pPr>
-            <a:r>
-              <a:t>Enterprise systems</a:t>
-            </a:r>
-          </a:p>
-          <a:p>
-            <a:pPr marL="320842" indent="-320842">
-              <a:defRPr sz="2300"/>
-            </a:pPr>
-            <a:r>
-              <a:t>Administrative Role-based Access Control</a:t>
-            </a:r>
-          </a:p>
-          <a:p>
-            <a:pPr lvl="1">
-              <a:defRPr sz="2300"/>
-            </a:pPr>
-            <a:r>
-              <a:t>“Dean can allow department chair to do X. Dept chair can allow secretary to do Y”</a:t>
+            <a:endParaRPr/>
+          </a:p>
+        </p:txBody>
+      </p:sp>
+      <p:sp>
+        <p:nvSpPr>
+          <p:cNvPr id="121" name="Shape 121"/>
+          <p:cNvSpPr/>
+          <p:nvPr/>
+        </p:nvSpPr>
+        <p:spPr>
+          <a:xfrm>
+            <a:off x="109583" y="5328294"/>
+            <a:ext cx="520701" cy="521296"/>
+          </a:xfrm>
+          <a:prstGeom prst="ellipse">
+            <a:avLst/>
+          </a:prstGeom>
+          <a:solidFill>
+            <a:srgbClr val="FFFFCC"/>
+          </a:solidFill>
+          <a:ln w="25400">
+            <a:solidFill>
+              <a:schemeClr val="accent1"/>
+            </a:solidFill>
+            <a:bevel/>
+          </a:ln>
+        </p:spPr>
+        <p:txBody>
+          <a:bodyPr lIns="45719" rIns="45719"/>
+          <a:lstStyle/>
+          <a:p>
+            <a:endParaRPr/>
+          </a:p>
+        </p:txBody>
+      </p:sp>
+      <p:sp>
+        <p:nvSpPr>
+          <p:cNvPr id="122" name="Shape 122"/>
+          <p:cNvSpPr/>
+          <p:nvPr/>
+        </p:nvSpPr>
+        <p:spPr>
+          <a:xfrm>
+            <a:off x="684320" y="5328294"/>
+            <a:ext cx="679510" cy="421393"/>
+          </a:xfrm>
+          <a:prstGeom prst="rect">
+            <a:avLst/>
+          </a:prstGeom>
+          <a:ln w="12700">
+            <a:miter lim="400000"/>
+          </a:ln>
+          <a:extLst>
+            <a:ext uri="{C572A759-6A51-4108-AA02-DFA0A04FC94B}">
+              <ma14:wrappingTextBoxFlag xmlns:ma14="http://schemas.microsoft.com/office/mac/drawingml/2011/main" val="1"/>
+            </a:ext>
+          </a:extLst>
+        </p:spPr>
+        <p:txBody>
+          <a:bodyPr wrap="none" lIns="45719" rIns="45719">
+            <a:spAutoFit/>
+          </a:bodyPr>
+          <a:lstStyle/>
+          <a:p>
+            <a:r>
+              <a:t>Data</a:t>
+            </a:r>
+          </a:p>
+        </p:txBody>
+      </p:sp>
+      <p:sp>
+        <p:nvSpPr>
+          <p:cNvPr id="123" name="Shape 123"/>
+          <p:cNvSpPr/>
+          <p:nvPr/>
+        </p:nvSpPr>
+        <p:spPr>
+          <a:xfrm>
+            <a:off x="588766" y="4836412"/>
+            <a:ext cx="1509386" cy="461665"/>
+          </a:xfrm>
+          <a:prstGeom prst="rect">
+            <a:avLst/>
+          </a:prstGeom>
+          <a:ln w="12700">
+            <a:miter lim="400000"/>
+          </a:ln>
+          <a:extLst>
+            <a:ext uri="{C572A759-6A51-4108-AA02-DFA0A04FC94B}">
+              <ma14:wrappingTextBoxFlag xmlns:ma14="http://schemas.microsoft.com/office/mac/drawingml/2011/main" val="1"/>
+            </a:ext>
+          </a:extLst>
+        </p:spPr>
+        <p:txBody>
+          <a:bodyPr wrap="none" lIns="45719" rIns="45719">
+            <a:spAutoFit/>
+          </a:bodyPr>
+          <a:lstStyle/>
+          <a:p>
+            <a:r>
+              <a:rPr lang="en-US" dirty="0" smtClean="0"/>
+              <a:t>User/</a:t>
+            </a:r>
+            <a:r>
+              <a:rPr dirty="0" smtClean="0"/>
+              <a:t>Entity</a:t>
+            </a:r>
+            <a:endParaRPr dirty="0"/>
+          </a:p>
+        </p:txBody>
+      </p:sp>
+      <p:sp>
+        <p:nvSpPr>
+          <p:cNvPr id="124" name="Shape 124"/>
+          <p:cNvSpPr/>
+          <p:nvPr/>
+        </p:nvSpPr>
+        <p:spPr>
+          <a:xfrm>
+            <a:off x="466695" y="1148204"/>
+            <a:ext cx="1974761" cy="421392"/>
+          </a:xfrm>
+          <a:prstGeom prst="rect">
+            <a:avLst/>
+          </a:prstGeom>
+          <a:ln w="12700">
+            <a:miter lim="400000"/>
+          </a:ln>
+          <a:extLst>
+            <a:ext uri="{C572A759-6A51-4108-AA02-DFA0A04FC94B}">
+              <ma14:wrappingTextBoxFlag xmlns:ma14="http://schemas.microsoft.com/office/mac/drawingml/2011/main" val="1"/>
+            </a:ext>
+          </a:extLst>
+        </p:spPr>
+        <p:txBody>
+          <a:bodyPr wrap="none" lIns="45719" rIns="45719">
+            <a:spAutoFit/>
+          </a:bodyPr>
+          <a:lstStyle>
+            <a:lvl1pPr>
+              <a:defRPr b="1" u="sng"/>
+            </a:lvl1pPr>
+          </a:lstStyle>
+          <a:p>
+            <a:r>
+              <a:t>Security Level</a:t>
+            </a:r>
+          </a:p>
+        </p:txBody>
+      </p:sp>
+      <p:sp>
+        <p:nvSpPr>
+          <p:cNvPr id="125" name="Shape 125"/>
+          <p:cNvSpPr/>
+          <p:nvPr/>
+        </p:nvSpPr>
+        <p:spPr>
+          <a:xfrm>
+            <a:off x="3159095" y="1148204"/>
+            <a:ext cx="1526640" cy="421392"/>
+          </a:xfrm>
+          <a:prstGeom prst="rect">
+            <a:avLst/>
+          </a:prstGeom>
+          <a:ln w="12700">
+            <a:miter lim="400000"/>
+          </a:ln>
+          <a:extLst>
+            <a:ext uri="{C572A759-6A51-4108-AA02-DFA0A04FC94B}">
+              <ma14:wrappingTextBoxFlag xmlns:ma14="http://schemas.microsoft.com/office/mac/drawingml/2011/main" val="1"/>
+            </a:ext>
+          </a:extLst>
+        </p:spPr>
+        <p:txBody>
+          <a:bodyPr wrap="none" lIns="45719" rIns="45719">
+            <a:spAutoFit/>
+          </a:bodyPr>
+          <a:lstStyle>
+            <a:lvl1pPr>
+              <a:defRPr b="1" u="sng">
+                <a:solidFill>
+                  <a:srgbClr val="FF2600"/>
+                </a:solidFill>
+              </a:defRPr>
+            </a:lvl1pPr>
+          </a:lstStyle>
+          <a:p>
+            <a:r>
+              <a:t>Disallowed</a:t>
+            </a:r>
+          </a:p>
+        </p:txBody>
+      </p:sp>
+      <p:sp>
+        <p:nvSpPr>
+          <p:cNvPr id="126" name="Shape 126"/>
+          <p:cNvSpPr/>
+          <p:nvPr/>
+        </p:nvSpPr>
+        <p:spPr>
+          <a:xfrm>
+            <a:off x="6676945" y="1148204"/>
+            <a:ext cx="1170941" cy="421392"/>
+          </a:xfrm>
+          <a:prstGeom prst="rect">
+            <a:avLst/>
+          </a:prstGeom>
+          <a:ln w="12700">
+            <a:miter lim="400000"/>
+          </a:ln>
+          <a:extLst>
+            <a:ext uri="{C572A759-6A51-4108-AA02-DFA0A04FC94B}">
+              <ma14:wrappingTextBoxFlag xmlns:ma14="http://schemas.microsoft.com/office/mac/drawingml/2011/main" val="1"/>
+            </a:ext>
+          </a:extLst>
+        </p:spPr>
+        <p:txBody>
+          <a:bodyPr wrap="none" lIns="45719" rIns="45719">
+            <a:spAutoFit/>
+          </a:bodyPr>
+          <a:lstStyle>
+            <a:lvl1pPr>
+              <a:defRPr b="1" u="sng">
+                <a:solidFill>
+                  <a:schemeClr val="accent1">
+                    <a:satOff val="-16666"/>
+                    <a:lumOff val="15000"/>
+                  </a:schemeClr>
+                </a:solidFill>
+              </a:defRPr>
+            </a:lvl1pPr>
+          </a:lstStyle>
+          <a:p>
+            <a:r>
+              <a:t>Allowed</a:t>
+            </a:r>
+          </a:p>
+        </p:txBody>
+      </p:sp>
+      <p:sp>
+        <p:nvSpPr>
+          <p:cNvPr id="127" name="Shape 127"/>
+          <p:cNvSpPr/>
+          <p:nvPr/>
+        </p:nvSpPr>
+        <p:spPr>
+          <a:xfrm>
+            <a:off x="1234466" y="1927019"/>
+            <a:ext cx="789941" cy="2135892"/>
+          </a:xfrm>
+          <a:prstGeom prst="rect">
+            <a:avLst/>
+          </a:prstGeom>
+          <a:ln w="12700">
+            <a:miter lim="400000"/>
+          </a:ln>
+          <a:extLst>
+            <a:ext uri="{C572A759-6A51-4108-AA02-DFA0A04FC94B}">
+              <ma14:wrappingTextBoxFlag xmlns:ma14="http://schemas.microsoft.com/office/mac/drawingml/2011/main" val="1"/>
+            </a:ext>
+          </a:extLst>
+        </p:spPr>
+        <p:txBody>
+          <a:bodyPr wrap="none" lIns="45719" rIns="45719">
+            <a:spAutoFit/>
+          </a:bodyPr>
+          <a:lstStyle/>
+          <a:p>
+            <a:r>
+              <a:t>High</a:t>
+            </a:r>
+          </a:p>
+          <a:p>
+            <a:endParaRPr/>
+          </a:p>
+          <a:p>
+            <a:endParaRPr/>
+          </a:p>
+          <a:p>
+            <a:endParaRPr/>
+          </a:p>
+          <a:p>
+            <a:endParaRPr/>
+          </a:p>
+          <a:p>
+            <a:r>
+              <a:t>Low</a:t>
+            </a:r>
+          </a:p>
+        </p:txBody>
+      </p:sp>
+      <p:sp>
+        <p:nvSpPr>
+          <p:cNvPr id="128" name="Shape 128"/>
+          <p:cNvSpPr/>
+          <p:nvPr/>
+        </p:nvSpPr>
+        <p:spPr>
+          <a:xfrm>
+            <a:off x="6162625" y="2043256"/>
+            <a:ext cx="428675" cy="395993"/>
+          </a:xfrm>
+          <a:prstGeom prst="rect">
+            <a:avLst/>
+          </a:prstGeom>
+          <a:solidFill>
+            <a:srgbClr val="FFFFCC"/>
+          </a:solidFill>
+          <a:ln w="25400">
+            <a:solidFill>
+              <a:schemeClr val="accent1"/>
+            </a:solidFill>
+            <a:bevel/>
+          </a:ln>
+        </p:spPr>
+        <p:txBody>
+          <a:bodyPr lIns="45719" rIns="45719"/>
+          <a:lstStyle/>
+          <a:p>
+            <a:endParaRPr/>
+          </a:p>
+        </p:txBody>
+      </p:sp>
+      <p:sp>
+        <p:nvSpPr>
+          <p:cNvPr id="129" name="Shape 129"/>
+          <p:cNvSpPr/>
+          <p:nvPr/>
+        </p:nvSpPr>
+        <p:spPr>
+          <a:xfrm>
+            <a:off x="4306391" y="2043256"/>
+            <a:ext cx="428676" cy="395993"/>
+          </a:xfrm>
+          <a:prstGeom prst="rect">
+            <a:avLst/>
+          </a:prstGeom>
+          <a:solidFill>
+            <a:srgbClr val="FFFFCC"/>
+          </a:solidFill>
+          <a:ln w="25400">
+            <a:solidFill>
+              <a:schemeClr val="accent1"/>
+            </a:solidFill>
+            <a:bevel/>
+          </a:ln>
+        </p:spPr>
+        <p:txBody>
+          <a:bodyPr lIns="45719" rIns="45719"/>
+          <a:lstStyle/>
+          <a:p>
+            <a:endParaRPr/>
+          </a:p>
+        </p:txBody>
+      </p:sp>
+      <p:sp>
+        <p:nvSpPr>
+          <p:cNvPr id="130" name="Shape 130"/>
+          <p:cNvSpPr/>
+          <p:nvPr/>
+        </p:nvSpPr>
+        <p:spPr>
+          <a:xfrm>
+            <a:off x="3203268" y="3665830"/>
+            <a:ext cx="428676" cy="395993"/>
+          </a:xfrm>
+          <a:prstGeom prst="rect">
+            <a:avLst/>
+          </a:prstGeom>
+          <a:solidFill>
+            <a:srgbClr val="FFFFCC"/>
+          </a:solidFill>
+          <a:ln w="25400">
+            <a:solidFill>
+              <a:schemeClr val="accent1"/>
+            </a:solidFill>
+            <a:bevel/>
+          </a:ln>
+        </p:spPr>
+        <p:txBody>
+          <a:bodyPr lIns="45719" rIns="45719"/>
+          <a:lstStyle/>
+          <a:p>
+            <a:endParaRPr/>
+          </a:p>
+        </p:txBody>
+      </p:sp>
+      <p:sp>
+        <p:nvSpPr>
+          <p:cNvPr id="131" name="Shape 131"/>
+          <p:cNvSpPr/>
+          <p:nvPr/>
+        </p:nvSpPr>
+        <p:spPr>
+          <a:xfrm>
+            <a:off x="7621091" y="3665830"/>
+            <a:ext cx="428676" cy="395993"/>
+          </a:xfrm>
+          <a:prstGeom prst="rect">
+            <a:avLst/>
+          </a:prstGeom>
+          <a:solidFill>
+            <a:srgbClr val="FFFFCC"/>
+          </a:solidFill>
+          <a:ln w="25400">
+            <a:solidFill>
+              <a:schemeClr val="accent1"/>
+            </a:solidFill>
+            <a:bevel/>
+          </a:ln>
+        </p:spPr>
+        <p:txBody>
+          <a:bodyPr lIns="45719" rIns="45719"/>
+          <a:lstStyle/>
+          <a:p>
+            <a:endParaRPr/>
+          </a:p>
+        </p:txBody>
+      </p:sp>
+      <p:sp>
+        <p:nvSpPr>
+          <p:cNvPr id="132" name="Shape 132"/>
+          <p:cNvSpPr/>
+          <p:nvPr/>
+        </p:nvSpPr>
+        <p:spPr>
+          <a:xfrm>
+            <a:off x="3157256" y="1980604"/>
+            <a:ext cx="520701" cy="521296"/>
+          </a:xfrm>
+          <a:prstGeom prst="ellipse">
+            <a:avLst/>
+          </a:prstGeom>
+          <a:solidFill>
+            <a:srgbClr val="FFFFCC"/>
+          </a:solidFill>
+          <a:ln w="25400">
+            <a:solidFill>
+              <a:schemeClr val="accent1"/>
+            </a:solidFill>
+            <a:bevel/>
+          </a:ln>
+        </p:spPr>
+        <p:txBody>
+          <a:bodyPr lIns="45719" rIns="45719"/>
+          <a:lstStyle/>
+          <a:p>
+            <a:endParaRPr/>
+          </a:p>
+        </p:txBody>
+      </p:sp>
+      <p:sp>
+        <p:nvSpPr>
+          <p:cNvPr id="133" name="Shape 133"/>
+          <p:cNvSpPr/>
+          <p:nvPr/>
+        </p:nvSpPr>
+        <p:spPr>
+          <a:xfrm>
+            <a:off x="4256434" y="3603178"/>
+            <a:ext cx="520701" cy="521296"/>
+          </a:xfrm>
+          <a:prstGeom prst="ellipse">
+            <a:avLst/>
+          </a:prstGeom>
+          <a:solidFill>
+            <a:srgbClr val="FFFFCC"/>
+          </a:solidFill>
+          <a:ln w="25400">
+            <a:solidFill>
+              <a:schemeClr val="accent1"/>
+            </a:solidFill>
+            <a:bevel/>
+          </a:ln>
+        </p:spPr>
+        <p:txBody>
+          <a:bodyPr lIns="45719" rIns="45719"/>
+          <a:lstStyle/>
+          <a:p>
+            <a:endParaRPr/>
+          </a:p>
+        </p:txBody>
+      </p:sp>
+      <p:sp>
+        <p:nvSpPr>
+          <p:cNvPr id="134" name="Shape 134"/>
+          <p:cNvSpPr/>
+          <p:nvPr/>
+        </p:nvSpPr>
+        <p:spPr>
+          <a:xfrm>
+            <a:off x="6116612" y="3603178"/>
+            <a:ext cx="520701" cy="521296"/>
+          </a:xfrm>
+          <a:prstGeom prst="ellipse">
+            <a:avLst/>
+          </a:prstGeom>
+          <a:solidFill>
+            <a:srgbClr val="FFFFCC"/>
+          </a:solidFill>
+          <a:ln w="25400">
+            <a:solidFill>
+              <a:schemeClr val="accent1"/>
+            </a:solidFill>
+            <a:bevel/>
+          </a:ln>
+        </p:spPr>
+        <p:txBody>
+          <a:bodyPr lIns="45719" rIns="45719"/>
+          <a:lstStyle/>
+          <a:p>
+            <a:endParaRPr/>
+          </a:p>
+        </p:txBody>
+      </p:sp>
+      <p:sp>
+        <p:nvSpPr>
+          <p:cNvPr id="135" name="Shape 135"/>
+          <p:cNvSpPr/>
+          <p:nvPr/>
+        </p:nvSpPr>
+        <p:spPr>
+          <a:xfrm>
+            <a:off x="7575078" y="1980604"/>
+            <a:ext cx="520701" cy="521296"/>
+          </a:xfrm>
+          <a:prstGeom prst="ellipse">
+            <a:avLst/>
+          </a:prstGeom>
+          <a:solidFill>
+            <a:srgbClr val="FFFFCC"/>
+          </a:solidFill>
+          <a:ln w="25400">
+            <a:solidFill>
+              <a:schemeClr val="accent1"/>
+            </a:solidFill>
+            <a:bevel/>
+          </a:ln>
+        </p:spPr>
+        <p:txBody>
+          <a:bodyPr lIns="45719" rIns="45719"/>
+          <a:lstStyle/>
+          <a:p>
+            <a:endParaRPr/>
+          </a:p>
+        </p:txBody>
+      </p:sp>
+      <p:sp>
+        <p:nvSpPr>
+          <p:cNvPr id="136" name="Shape 136"/>
+          <p:cNvSpPr/>
+          <p:nvPr/>
+        </p:nvSpPr>
+        <p:spPr>
+          <a:xfrm flipV="1">
+            <a:off x="7835428" y="2516137"/>
+            <a:ext cx="1" cy="1135456"/>
+          </a:xfrm>
+          <a:prstGeom prst="line">
+            <a:avLst/>
+          </a:prstGeom>
+          <a:ln w="25400">
+            <a:solidFill>
+              <a:schemeClr val="accent1"/>
+            </a:solidFill>
+            <a:bevel/>
+            <a:tailEnd type="triangle"/>
+          </a:ln>
+          <a:effectLst>
+            <a:outerShdw blurRad="38100" dist="20000" dir="5400000" rotWithShape="0">
+              <a:srgbClr val="000000">
+                <a:alpha val="38000"/>
+              </a:srgbClr>
+            </a:outerShdw>
+          </a:effectLst>
+        </p:spPr>
+        <p:txBody>
+          <a:bodyPr lIns="45719" rIns="45719"/>
+          <a:lstStyle/>
+          <a:p>
+            <a:pPr defTabSz="457200">
+              <a:defRPr sz="1200">
+                <a:latin typeface="+mn-lt"/>
+                <a:ea typeface="+mn-ea"/>
+                <a:cs typeface="+mn-cs"/>
+                <a:sym typeface="Helvetica"/>
+              </a:defRPr>
+            </a:pPr>
+            <a:endParaRPr/>
+          </a:p>
+        </p:txBody>
+      </p:sp>
+      <p:sp>
+        <p:nvSpPr>
+          <p:cNvPr id="137" name="Shape 137"/>
+          <p:cNvSpPr/>
+          <p:nvPr/>
+        </p:nvSpPr>
+        <p:spPr>
+          <a:xfrm flipV="1">
+            <a:off x="6376962" y="2427237"/>
+            <a:ext cx="1" cy="1135456"/>
+          </a:xfrm>
+          <a:prstGeom prst="line">
+            <a:avLst/>
+          </a:prstGeom>
+          <a:ln w="25400">
+            <a:solidFill>
+              <a:schemeClr val="accent1"/>
+            </a:solidFill>
+            <a:bevel/>
+            <a:tailEnd type="triangle"/>
+          </a:ln>
+          <a:effectLst>
+            <a:outerShdw blurRad="38100" dist="20000" dir="5400000" rotWithShape="0">
+              <a:srgbClr val="000000">
+                <a:alpha val="38000"/>
+              </a:srgbClr>
+            </a:outerShdw>
+          </a:effectLst>
+        </p:spPr>
+        <p:txBody>
+          <a:bodyPr lIns="45719" rIns="45719"/>
+          <a:lstStyle/>
+          <a:p>
+            <a:pPr defTabSz="457200">
+              <a:defRPr sz="1200">
+                <a:latin typeface="+mn-lt"/>
+                <a:ea typeface="+mn-ea"/>
+                <a:cs typeface="+mn-cs"/>
+                <a:sym typeface="Helvetica"/>
+              </a:defRPr>
+            </a:pPr>
+            <a:endParaRPr/>
+          </a:p>
+        </p:txBody>
+      </p:sp>
+      <p:sp>
+        <p:nvSpPr>
+          <p:cNvPr id="138" name="Shape 138"/>
+          <p:cNvSpPr/>
+          <p:nvPr/>
+        </p:nvSpPr>
+        <p:spPr>
+          <a:xfrm>
+            <a:off x="7896195" y="2784269"/>
+            <a:ext cx="938174" cy="764292"/>
+          </a:xfrm>
+          <a:prstGeom prst="rect">
+            <a:avLst/>
+          </a:prstGeom>
+          <a:ln w="12700">
+            <a:miter lim="400000"/>
+          </a:ln>
+          <a:extLst>
+            <a:ext uri="{C572A759-6A51-4108-AA02-DFA0A04FC94B}">
+              <ma14:wrappingTextBoxFlag xmlns:ma14="http://schemas.microsoft.com/office/mac/drawingml/2011/main" val="1"/>
+            </a:ext>
+          </a:extLst>
+        </p:spPr>
+        <p:txBody>
+          <a:bodyPr wrap="none" lIns="45719" rIns="45719">
+            <a:spAutoFit/>
+          </a:bodyPr>
+          <a:lstStyle/>
+          <a:p>
+            <a:r>
+              <a:t>Write </a:t>
+            </a:r>
+          </a:p>
+          <a:p>
+            <a:r>
+              <a:t>UP</a:t>
+            </a:r>
+          </a:p>
+        </p:txBody>
+      </p:sp>
+      <p:sp>
+        <p:nvSpPr>
+          <p:cNvPr id="139" name="Shape 139"/>
+          <p:cNvSpPr/>
+          <p:nvPr/>
+        </p:nvSpPr>
+        <p:spPr>
+          <a:xfrm>
+            <a:off x="6372195" y="2701719"/>
+            <a:ext cx="1052176" cy="764292"/>
+          </a:xfrm>
+          <a:prstGeom prst="rect">
+            <a:avLst/>
+          </a:prstGeom>
+          <a:ln w="12700">
+            <a:miter lim="400000"/>
+          </a:ln>
+          <a:extLst>
+            <a:ext uri="{C572A759-6A51-4108-AA02-DFA0A04FC94B}">
+              <ma14:wrappingTextBoxFlag xmlns:ma14="http://schemas.microsoft.com/office/mac/drawingml/2011/main" val="1"/>
+            </a:ext>
+          </a:extLst>
+        </p:spPr>
+        <p:txBody>
+          <a:bodyPr wrap="none" lIns="45719" rIns="45719">
+            <a:spAutoFit/>
+          </a:bodyPr>
+          <a:lstStyle/>
+          <a:p>
+            <a:r>
+              <a:t>Read </a:t>
+            </a:r>
+          </a:p>
+          <a:p>
+            <a:r>
+              <a:t>DOWN</a:t>
+            </a:r>
+          </a:p>
+        </p:txBody>
+      </p:sp>
+      <p:sp>
+        <p:nvSpPr>
+          <p:cNvPr id="140" name="Shape 140"/>
+          <p:cNvSpPr/>
+          <p:nvPr/>
+        </p:nvSpPr>
+        <p:spPr>
+          <a:xfrm>
+            <a:off x="3417606" y="2513058"/>
+            <a:ext cx="1" cy="1141615"/>
+          </a:xfrm>
+          <a:prstGeom prst="line">
+            <a:avLst/>
+          </a:prstGeom>
+          <a:ln w="25400">
+            <a:solidFill>
+              <a:srgbClr val="FF2600"/>
+            </a:solidFill>
+            <a:bevel/>
+            <a:tailEnd type="triangle"/>
+          </a:ln>
+          <a:effectLst>
+            <a:outerShdw blurRad="38100" dist="20000" dir="5400000" rotWithShape="0">
+              <a:srgbClr val="000000">
+                <a:alpha val="38000"/>
+              </a:srgbClr>
+            </a:outerShdw>
+          </a:effectLst>
+        </p:spPr>
+        <p:txBody>
+          <a:bodyPr lIns="45719" rIns="45719"/>
+          <a:lstStyle/>
+          <a:p>
+            <a:pPr defTabSz="457200">
+              <a:defRPr sz="1200">
+                <a:latin typeface="+mn-lt"/>
+                <a:ea typeface="+mn-ea"/>
+                <a:cs typeface="+mn-cs"/>
+                <a:sym typeface="Helvetica"/>
+              </a:defRPr>
+            </a:pPr>
+            <a:endParaRPr/>
+          </a:p>
+        </p:txBody>
+      </p:sp>
+      <p:sp>
+        <p:nvSpPr>
+          <p:cNvPr id="141" name="Shape 141"/>
+          <p:cNvSpPr/>
+          <p:nvPr/>
+        </p:nvSpPr>
+        <p:spPr>
+          <a:xfrm>
+            <a:off x="2627906" y="2428223"/>
+            <a:ext cx="800858" cy="1200329"/>
+          </a:xfrm>
+          <a:prstGeom prst="rect">
+            <a:avLst/>
+          </a:prstGeom>
+          <a:ln w="12700">
+            <a:miter lim="400000"/>
+          </a:ln>
+          <a:extLst>
+            <a:ext uri="{C572A759-6A51-4108-AA02-DFA0A04FC94B}">
+              <ma14:wrappingTextBoxFlag xmlns:ma14="http://schemas.microsoft.com/office/mac/drawingml/2011/main" val="1"/>
+            </a:ext>
+          </a:extLst>
+        </p:spPr>
+        <p:txBody>
+          <a:bodyPr wrap="none" lIns="45719" rIns="45719">
+            <a:spAutoFit/>
+          </a:bodyPr>
+          <a:lstStyle/>
+          <a:p>
+            <a:r>
+              <a:rPr lang="en-US" dirty="0" smtClean="0"/>
+              <a:t>No</a:t>
+            </a:r>
+          </a:p>
+          <a:p>
+            <a:r>
+              <a:rPr dirty="0" smtClean="0"/>
+              <a:t>Read </a:t>
+            </a:r>
+            <a:endParaRPr dirty="0"/>
+          </a:p>
+          <a:p>
+            <a:r>
+              <a:rPr dirty="0"/>
+              <a:t>UP</a:t>
+            </a:r>
+          </a:p>
+        </p:txBody>
+      </p:sp>
+      <p:sp>
+        <p:nvSpPr>
+          <p:cNvPr id="142" name="Shape 142"/>
+          <p:cNvSpPr/>
+          <p:nvPr/>
+        </p:nvSpPr>
+        <p:spPr>
+          <a:xfrm>
+            <a:off x="4516784" y="2424158"/>
+            <a:ext cx="1" cy="1141615"/>
+          </a:xfrm>
+          <a:prstGeom prst="line">
+            <a:avLst/>
+          </a:prstGeom>
+          <a:ln w="25400">
+            <a:solidFill>
+              <a:srgbClr val="FF2600"/>
+            </a:solidFill>
+            <a:bevel/>
+            <a:tailEnd type="triangle"/>
+          </a:ln>
+          <a:effectLst>
+            <a:outerShdw blurRad="38100" dist="20000" dir="5400000" rotWithShape="0">
+              <a:srgbClr val="000000">
+                <a:alpha val="38000"/>
+              </a:srgbClr>
+            </a:outerShdw>
+          </a:effectLst>
+        </p:spPr>
+        <p:txBody>
+          <a:bodyPr lIns="45719" rIns="45719"/>
+          <a:lstStyle/>
+          <a:p>
+            <a:pPr defTabSz="457200">
+              <a:defRPr sz="1200">
+                <a:latin typeface="+mn-lt"/>
+                <a:ea typeface="+mn-ea"/>
+                <a:cs typeface="+mn-cs"/>
+                <a:sym typeface="Helvetica"/>
+              </a:defRPr>
+            </a:pPr>
+            <a:endParaRPr/>
+          </a:p>
+        </p:txBody>
+      </p:sp>
+      <p:sp>
+        <p:nvSpPr>
+          <p:cNvPr id="143" name="Shape 143"/>
+          <p:cNvSpPr/>
+          <p:nvPr/>
+        </p:nvSpPr>
+        <p:spPr>
+          <a:xfrm>
+            <a:off x="4545255" y="2490050"/>
+            <a:ext cx="1050927" cy="1200329"/>
+          </a:xfrm>
+          <a:prstGeom prst="rect">
+            <a:avLst/>
+          </a:prstGeom>
+          <a:ln w="12700">
+            <a:miter lim="400000"/>
+          </a:ln>
+          <a:extLst>
+            <a:ext uri="{C572A759-6A51-4108-AA02-DFA0A04FC94B}">
+              <ma14:wrappingTextBoxFlag xmlns:ma14="http://schemas.microsoft.com/office/mac/drawingml/2011/main" val="1"/>
+            </a:ext>
+          </a:extLst>
+        </p:spPr>
+        <p:txBody>
+          <a:bodyPr wrap="none" lIns="45719" rIns="45719">
+            <a:spAutoFit/>
+          </a:bodyPr>
+          <a:lstStyle/>
+          <a:p>
+            <a:r>
+              <a:rPr lang="en-US" dirty="0" smtClean="0"/>
+              <a:t>No</a:t>
+            </a:r>
+          </a:p>
+          <a:p>
+            <a:r>
+              <a:rPr dirty="0" smtClean="0"/>
+              <a:t>Write </a:t>
+            </a:r>
+            <a:endParaRPr dirty="0"/>
+          </a:p>
+          <a:p>
+            <a:r>
+              <a:rPr dirty="0"/>
+              <a:t>DOWN</a:t>
+            </a:r>
+          </a:p>
+        </p:txBody>
+      </p:sp>
+      <p:sp>
+        <p:nvSpPr>
+          <p:cNvPr id="144" name="Shape 144"/>
+          <p:cNvSpPr/>
+          <p:nvPr/>
+        </p:nvSpPr>
+        <p:spPr>
+          <a:xfrm flipV="1">
+            <a:off x="5542492" y="1234077"/>
+            <a:ext cx="1" cy="3699576"/>
+          </a:xfrm>
+          <a:prstGeom prst="line">
+            <a:avLst/>
+          </a:prstGeom>
+          <a:ln w="25400">
+            <a:solidFill>
+              <a:schemeClr val="accent1"/>
+            </a:solidFill>
+            <a:bevel/>
+          </a:ln>
+          <a:effectLst>
+            <a:outerShdw blurRad="38100" dist="20000" dir="5400000" rotWithShape="0">
+              <a:srgbClr val="000000">
+                <a:alpha val="38000"/>
+              </a:srgbClr>
+            </a:outerShdw>
+          </a:effectLst>
+        </p:spPr>
+        <p:txBody>
+          <a:bodyPr lIns="45719" rIns="45719"/>
+          <a:lstStyle/>
+          <a:p>
+            <a:pPr defTabSz="457200">
+              <a:defRPr sz="1200">
+                <a:latin typeface="+mn-lt"/>
+                <a:ea typeface="+mn-ea"/>
+                <a:cs typeface="+mn-cs"/>
+                <a:sym typeface="Helvetica"/>
+              </a:defRPr>
+            </a:pPr>
+            <a:endParaRPr/>
+          </a:p>
+        </p:txBody>
+      </p:sp>
+      <p:sp>
+        <p:nvSpPr>
+          <p:cNvPr id="145" name="Shape 145"/>
+          <p:cNvSpPr/>
+          <p:nvPr/>
+        </p:nvSpPr>
+        <p:spPr>
+          <a:xfrm flipV="1">
+            <a:off x="2584481" y="1145177"/>
+            <a:ext cx="1" cy="3699576"/>
+          </a:xfrm>
+          <a:prstGeom prst="line">
+            <a:avLst/>
+          </a:prstGeom>
+          <a:ln w="25400">
+            <a:solidFill>
+              <a:schemeClr val="accent1"/>
+            </a:solidFill>
+            <a:bevel/>
+          </a:ln>
+          <a:effectLst>
+            <a:outerShdw blurRad="38100" dist="20000" dir="5400000" rotWithShape="0">
+              <a:srgbClr val="000000">
+                <a:alpha val="38000"/>
+              </a:srgbClr>
+            </a:outerShdw>
+          </a:effectLst>
+        </p:spPr>
+        <p:txBody>
+          <a:bodyPr lIns="45719" rIns="45719"/>
+          <a:lstStyle/>
+          <a:p>
+            <a:pPr defTabSz="457200">
+              <a:defRPr sz="1200">
+                <a:latin typeface="+mn-lt"/>
+                <a:ea typeface="+mn-ea"/>
+                <a:cs typeface="+mn-cs"/>
+                <a:sym typeface="Helvetica"/>
+              </a:defRPr>
+            </a:pPr>
+            <a:endParaRPr/>
+          </a:p>
+        </p:txBody>
+      </p:sp>
+      <p:sp>
+        <p:nvSpPr>
+          <p:cNvPr id="146" name="Shape 146"/>
+          <p:cNvSpPr/>
+          <p:nvPr/>
+        </p:nvSpPr>
+        <p:spPr>
+          <a:xfrm>
+            <a:off x="54722" y="5861949"/>
+            <a:ext cx="9136473" cy="859210"/>
+          </a:xfrm>
+          <a:prstGeom prst="rect">
+            <a:avLst/>
+          </a:prstGeom>
+          <a:ln w="12700">
+            <a:miter lim="400000"/>
+          </a:ln>
+          <a:extLst>
+            <a:ext uri="{C572A759-6A51-4108-AA02-DFA0A04FC94B}">
+              <ma14:wrappingTextBoxFlag xmlns:ma14="http://schemas.microsoft.com/office/mac/drawingml/2011/main" val="1"/>
+            </a:ext>
+          </a:extLst>
+        </p:spPr>
+        <p:txBody>
+          <a:bodyPr wrap="none" lIns="45719" rIns="45719">
+            <a:spAutoFit/>
+          </a:bodyPr>
+          <a:lstStyle/>
+          <a:p>
+            <a:pPr>
+              <a:spcBef>
+                <a:spcPts val="700"/>
+              </a:spcBef>
+              <a:defRPr sz="2200"/>
+            </a:pPr>
+            <a:r>
+              <a:rPr b="1" u="sng" dirty="0"/>
+              <a:t>No Read UP:</a:t>
+            </a:r>
+            <a:r>
+              <a:rPr dirty="0"/>
+              <a:t> Lower classification level should not read data from higher-level.</a:t>
+            </a:r>
+          </a:p>
+          <a:p>
+            <a:pPr>
+              <a:spcBef>
+                <a:spcPts val="700"/>
+              </a:spcBef>
+              <a:defRPr sz="2200"/>
+            </a:pPr>
+            <a:r>
+              <a:rPr b="1" u="sng" dirty="0"/>
+              <a:t>No Write DOWN: </a:t>
+            </a:r>
+            <a:r>
+              <a:rPr dirty="0"/>
+              <a:t>Higher  level should not write data to lower level.</a:t>
             </a:r>
           </a:p>
         </p:txBody>
@@ -3293,7 +4373,7 @@
       </p:grpSpPr>
       <p:sp>
         <p:nvSpPr>
-          <p:cNvPr id="112" name="Shape 112"/>
+          <p:cNvPr id="148" name="Shape 148"/>
           <p:cNvSpPr>
             <a:spLocks noGrp="1"/>
           </p:cNvSpPr>
@@ -3302,204 +4382,23 @@
           </p:nvPr>
         </p:nvSpPr>
         <p:spPr>
-          <a:xfrm>
-            <a:off x="199884" y="88899"/>
-            <a:ext cx="8115442" cy="1143002"/>
-          </a:xfrm>
           <a:prstGeom prst="rect">
             <a:avLst/>
           </a:prstGeom>
         </p:spPr>
         <p:txBody>
-          <a:bodyPr>
-            <a:normAutofit fontScale="90000"/>
-          </a:bodyPr>
-          <a:lstStyle>
-            <a:lvl1pPr>
-              <a:defRPr sz="3600"/>
-            </a:lvl1pPr>
-          </a:lstStyle>
-          <a:p>
-            <a:pPr>
-              <a:defRPr sz="4400"/>
-            </a:pPr>
-            <a:r>
-              <a:rPr sz="3600"/>
-              <a:t>Reference Monitor and  Trusted Computing Base</a:t>
+          <a:bodyPr/>
+          <a:lstStyle/>
+          <a:p>
+            <a:r>
+              <a:t>MLS Pump</a:t>
             </a:r>
           </a:p>
         </p:txBody>
       </p:sp>
       <p:sp>
         <p:nvSpPr>
-          <p:cNvPr id="113" name="Shape 113"/>
-          <p:cNvSpPr>
-            <a:spLocks noGrp="1"/>
-          </p:cNvSpPr>
-          <p:nvPr>
-            <p:ph type="body" sz="half" idx="1"/>
-          </p:nvPr>
-        </p:nvSpPr>
-        <p:spPr>
-          <a:xfrm>
-            <a:off x="198883" y="4017367"/>
-            <a:ext cx="8569624" cy="2666108"/>
-          </a:xfrm>
-          <a:prstGeom prst="rect">
-            <a:avLst/>
-          </a:prstGeom>
-        </p:spPr>
-        <p:txBody>
-          <a:bodyPr>
-            <a:normAutofit lnSpcReduction="10000"/>
-          </a:bodyPr>
-          <a:lstStyle/>
-          <a:p>
-            <a:pPr marL="252663" indent="-252663" defTabSz="640079">
-              <a:spcBef>
-                <a:spcPts val="600"/>
-              </a:spcBef>
-              <a:defRPr sz="2240"/>
-            </a:pPr>
-            <a:r>
-              <a:rPr sz="2520"/>
-              <a:t>A reference monitor, enforces access control/capabilities.</a:t>
-            </a:r>
-          </a:p>
-          <a:p>
-            <a:pPr marL="519363" lvl="1" indent="-252663" defTabSz="640079">
-              <a:spcBef>
-                <a:spcPts val="600"/>
-              </a:spcBef>
-              <a:defRPr sz="2240"/>
-            </a:pPr>
-            <a:r>
-              <a:rPr sz="2520"/>
-              <a:t>also called “security kernel”</a:t>
-            </a:r>
-          </a:p>
-          <a:p>
-            <a:pPr marL="252663" indent="-252663" defTabSz="640079">
-              <a:spcBef>
-                <a:spcPts val="600"/>
-              </a:spcBef>
-              <a:defRPr sz="2240"/>
-            </a:pPr>
-            <a:r>
-              <a:rPr sz="2520"/>
-              <a:t>Its “trusted” because it MUST work correctly to ensure rest of the system is secure.</a:t>
-            </a:r>
-          </a:p>
-          <a:p>
-            <a:pPr marL="252663" indent="-252663" defTabSz="640079">
-              <a:spcBef>
-                <a:spcPts val="600"/>
-              </a:spcBef>
-              <a:defRPr sz="2240"/>
-            </a:pPr>
-            <a:r>
-              <a:rPr sz="2520"/>
-              <a:t>Usually small, so it can be verified easily.</a:t>
-            </a:r>
-          </a:p>
-          <a:p>
-            <a:pPr marL="252663" indent="-252663" defTabSz="640079">
-              <a:spcBef>
-                <a:spcPts val="600"/>
-              </a:spcBef>
-              <a:defRPr sz="2240"/>
-            </a:pPr>
-            <a:r>
-              <a:rPr sz="2520"/>
-              <a:t>Verification: either manual or automated. Hard either way.</a:t>
-            </a:r>
-          </a:p>
-        </p:txBody>
-      </p:sp>
-      <p:pic>
-        <p:nvPicPr>
-          <p:cNvPr id="114" name="9-29.jpg"/>
-          <p:cNvPicPr>
-            <a:picLocks noChangeAspect="1"/>
-          </p:cNvPicPr>
-          <p:nvPr/>
-        </p:nvPicPr>
-        <p:blipFill>
-          <a:blip r:embed="rId2">
-            <a:extLst/>
-          </a:blip>
-          <a:stretch>
-            <a:fillRect/>
-          </a:stretch>
-        </p:blipFill>
-        <p:spPr>
-          <a:xfrm>
-            <a:off x="1869750" y="975244"/>
-            <a:ext cx="6263013" cy="2899820"/>
-          </a:xfrm>
-          <a:prstGeom prst="rect">
-            <a:avLst/>
-          </a:prstGeom>
-          <a:ln w="12700">
-            <a:miter lim="400000"/>
-          </a:ln>
-        </p:spPr>
-      </p:pic>
-    </p:spTree>
-  </p:cSld>
-  <p:clrMapOvr>
-    <a:masterClrMapping/>
-  </p:clrMapOvr>
-  <p:transition spd="med"/>
-</p:sld>
-</file>
-
-<file path=ppt/slides/slide19.xml><?xml version="1.0" encoding="utf-8"?>
-<p:sld xmlns:a="http://schemas.openxmlformats.org/drawingml/2006/main" xmlns:r="http://schemas.openxmlformats.org/officeDocument/2006/relationships" xmlns:p="http://schemas.openxmlformats.org/presentationml/2006/main">
-  <p:cSld>
-    <p:spTree>
-      <p:nvGrpSpPr>
-        <p:cNvPr id="1" name=""/>
-        <p:cNvGrpSpPr/>
-        <p:nvPr/>
-      </p:nvGrpSpPr>
-      <p:grpSpPr>
-        <a:xfrm>
-          <a:off x="0" y="0"/>
-          <a:ext cx="0" cy="0"/>
-          <a:chOff x="0" y="0"/>
-          <a:chExt cx="0" cy="0"/>
-        </a:xfrm>
-      </p:grpSpPr>
-      <p:sp>
-        <p:nvSpPr>
-          <p:cNvPr id="116" name="Shape 116"/>
-          <p:cNvSpPr>
-            <a:spLocks noGrp="1"/>
-          </p:cNvSpPr>
-          <p:nvPr>
-            <p:ph type="title"/>
-          </p:nvPr>
-        </p:nvSpPr>
-        <p:spPr>
-          <a:prstGeom prst="rect">
-            <a:avLst/>
-          </a:prstGeom>
-        </p:spPr>
-        <p:txBody>
-          <a:bodyPr/>
-          <a:lstStyle/>
-          <a:p>
-            <a:pPr lvl="1"/>
-            <a:r>
-              <a:t>Multi-level Security</a:t>
-            </a:r>
-          </a:p>
-        </p:txBody>
-      </p:sp>
-      <p:sp>
-        <p:nvSpPr>
-          <p:cNvPr id="117" name="Shape 117"/>
+          <p:cNvPr id="149" name="Shape 149"/>
           <p:cNvSpPr>
             <a:spLocks noGrp="1"/>
           </p:cNvSpPr>
@@ -3509,8 +4408,8 @@
         </p:nvSpPr>
         <p:spPr>
           <a:xfrm>
-            <a:off x="112464" y="1057274"/>
-            <a:ext cx="8919072" cy="5693173"/>
+            <a:off x="112463" y="1015404"/>
+            <a:ext cx="8919074" cy="5842596"/>
           </a:xfrm>
           <a:prstGeom prst="rect">
             <a:avLst/>
@@ -3521,76 +4420,48 @@
           <a:lstStyle/>
           <a:p>
             <a:pPr marL="320842" indent="-320842">
-              <a:defRPr sz="2600"/>
-            </a:pPr>
-            <a:r>
-              <a:t>Also called Mandatory Access Control (MAC)</a:t>
+              <a:defRPr sz="3000"/>
+            </a:pPr>
+            <a:r>
+              <a:t>In practice, to get things done, upper-level must at least acknowledge the receipt of data from lower level.</a:t>
             </a:r>
           </a:p>
           <a:p>
             <a:pPr lvl="1">
-              <a:defRPr sz="2600"/>
-            </a:pPr>
-            <a:r>
-              <a:t>As opposed to Discretionary Access Control (DAC) in commodity systems.</a:t>
+              <a:defRPr sz="3000"/>
+            </a:pPr>
+            <a:r>
+              <a:t>But acks create a backdoor for covert channels (surreptitious communication)</a:t>
             </a:r>
           </a:p>
           <a:p>
             <a:pPr marL="320842" indent="-320842">
-              <a:defRPr sz="2600"/>
+              <a:defRPr sz="3000"/>
             </a:pPr>
             <a:endParaRPr/>
           </a:p>
           <a:p>
             <a:pPr marL="320842" indent="-320842">
-              <a:defRPr sz="2600"/>
-            </a:pPr>
-            <a:r>
-              <a:t>Data objects are classified at different levels</a:t>
+              <a:defRPr sz="3000"/>
+            </a:pPr>
+            <a:r>
+              <a:t>An MLS Pump</a:t>
             </a:r>
           </a:p>
           <a:p>
             <a:pPr lvl="1">
-              <a:defRPr sz="2600"/>
-            </a:pPr>
-            <a:r>
-              <a:t>Top secret, secret, confidential, unclassified etc</a:t>
+              <a:defRPr sz="3000"/>
+            </a:pPr>
+            <a:r>
+              <a:t>Allows acks from higher to lower levels, </a:t>
             </a:r>
           </a:p>
           <a:p>
             <a:pPr lvl="1">
-              <a:defRPr sz="2600"/>
-            </a:pPr>
-            <a:r>
-              <a:t>Sometimes additional compartments: Crypto, Subs, NoForn</a:t>
-            </a:r>
-          </a:p>
-          <a:p>
-            <a:pPr marL="320842" indent="-320842">
-              <a:defRPr sz="2600"/>
-            </a:pPr>
-            <a:endParaRPr/>
-          </a:p>
-          <a:p>
-            <a:pPr marL="320842" indent="-320842">
-              <a:defRPr sz="2600"/>
-            </a:pPr>
-            <a:r>
-              <a:t>People (and computers) have clearances</a:t>
-            </a:r>
-          </a:p>
-          <a:p>
-            <a:pPr marL="320842" indent="-320842">
-              <a:defRPr sz="2600"/>
-            </a:pPr>
-            <a:endParaRPr/>
-          </a:p>
-          <a:p>
-            <a:pPr marL="320842" indent="-320842">
-              <a:defRPr sz="2600"/>
-            </a:pPr>
-            <a:r>
-              <a:t>Informally: To see a data object, you must have clearance for that level and for that compartment.</a:t>
+              <a:defRPr sz="3000"/>
+            </a:pPr>
+            <a:r>
+              <a:t>but at such a low data rate that covert channels become impractical.</a:t>
             </a:r>
           </a:p>
         </p:txBody>
@@ -3763,1232 +4634,6 @@
           </a:ln>
         </p:spPr>
       </p:pic>
-    </p:spTree>
-  </p:cSld>
-  <p:clrMapOvr>
-    <a:masterClrMapping/>
-  </p:clrMapOvr>
-  <p:transition spd="med"/>
-</p:sld>
-</file>
-
-<file path=ppt/slides/slide20.xml><?xml version="1.0" encoding="utf-8"?>
-<p:sld xmlns:a="http://schemas.openxmlformats.org/drawingml/2006/main" xmlns:r="http://schemas.openxmlformats.org/officeDocument/2006/relationships" xmlns:p="http://schemas.openxmlformats.org/presentationml/2006/main">
-  <p:cSld>
-    <p:spTree>
-      <p:nvGrpSpPr>
-        <p:cNvPr id="1" name=""/>
-        <p:cNvGrpSpPr/>
-        <p:nvPr/>
-      </p:nvGrpSpPr>
-      <p:grpSpPr>
-        <a:xfrm>
-          <a:off x="0" y="0"/>
-          <a:ext cx="0" cy="0"/>
-          <a:chOff x="0" y="0"/>
-          <a:chExt cx="0" cy="0"/>
-        </a:xfrm>
-      </p:grpSpPr>
-      <p:sp>
-        <p:nvSpPr>
-          <p:cNvPr id="119" name="Shape 119"/>
-          <p:cNvSpPr>
-            <a:spLocks noGrp="1"/>
-          </p:cNvSpPr>
-          <p:nvPr>
-            <p:ph type="title"/>
-          </p:nvPr>
-        </p:nvSpPr>
-        <p:spPr>
-          <a:xfrm>
-            <a:off x="50155" y="0"/>
-            <a:ext cx="8941148" cy="1143000"/>
-          </a:xfrm>
-          <a:prstGeom prst="rect">
-            <a:avLst/>
-          </a:prstGeom>
-        </p:spPr>
-        <p:txBody>
-          <a:bodyPr/>
-          <a:lstStyle/>
-          <a:p>
-            <a:r>
-              <a:t>MLS: No Read UP, No Write DOWN</a:t>
-            </a:r>
-          </a:p>
-        </p:txBody>
-      </p:sp>
-      <p:sp>
-        <p:nvSpPr>
-          <p:cNvPr id="120" name="Shape 120"/>
-          <p:cNvSpPr/>
-          <p:nvPr/>
-        </p:nvSpPr>
-        <p:spPr>
-          <a:xfrm>
-            <a:off x="3216425" y="5100081"/>
-            <a:ext cx="428676" cy="395993"/>
-          </a:xfrm>
-          <a:prstGeom prst="rect">
-            <a:avLst/>
-          </a:prstGeom>
-          <a:solidFill>
-            <a:srgbClr val="FFFFCC"/>
-          </a:solidFill>
-          <a:ln w="25400">
-            <a:solidFill>
-              <a:schemeClr val="accent1"/>
-            </a:solidFill>
-            <a:bevel/>
-          </a:ln>
-        </p:spPr>
-        <p:txBody>
-          <a:bodyPr lIns="45719" rIns="45719"/>
-          <a:lstStyle/>
-          <a:p>
-            <a:endParaRPr/>
-          </a:p>
-        </p:txBody>
-      </p:sp>
-      <p:sp>
-        <p:nvSpPr>
-          <p:cNvPr id="121" name="Shape 121"/>
-          <p:cNvSpPr/>
-          <p:nvPr/>
-        </p:nvSpPr>
-        <p:spPr>
-          <a:xfrm>
-            <a:off x="4789663" y="5037430"/>
-            <a:ext cx="520701" cy="521296"/>
-          </a:xfrm>
-          <a:prstGeom prst="ellipse">
-            <a:avLst/>
-          </a:prstGeom>
-          <a:solidFill>
-            <a:srgbClr val="FFFFCC"/>
-          </a:solidFill>
-          <a:ln w="25400">
-            <a:solidFill>
-              <a:schemeClr val="accent1"/>
-            </a:solidFill>
-            <a:bevel/>
-          </a:ln>
-        </p:spPr>
-        <p:txBody>
-          <a:bodyPr lIns="45719" rIns="45719"/>
-          <a:lstStyle/>
-          <a:p>
-            <a:endParaRPr/>
-          </a:p>
-        </p:txBody>
-      </p:sp>
-      <p:sp>
-        <p:nvSpPr>
-          <p:cNvPr id="122" name="Shape 122"/>
-          <p:cNvSpPr/>
-          <p:nvPr/>
-        </p:nvSpPr>
-        <p:spPr>
-          <a:xfrm>
-            <a:off x="5573858" y="5087381"/>
-            <a:ext cx="679510" cy="421393"/>
-          </a:xfrm>
-          <a:prstGeom prst="rect">
-            <a:avLst/>
-          </a:prstGeom>
-          <a:ln w="12700">
-            <a:miter lim="400000"/>
-          </a:ln>
-          <a:extLst>
-            <a:ext uri="{C572A759-6A51-4108-AA02-DFA0A04FC94B}">
-              <ma14:wrappingTextBoxFlag xmlns:ma14="http://schemas.microsoft.com/office/mac/drawingml/2011/main" val="1"/>
-            </a:ext>
-          </a:extLst>
-        </p:spPr>
-        <p:txBody>
-          <a:bodyPr wrap="none" lIns="45719" rIns="45719">
-            <a:spAutoFit/>
-          </a:bodyPr>
-          <a:lstStyle/>
-          <a:p>
-            <a:r>
-              <a:t>Data</a:t>
-            </a:r>
-          </a:p>
-        </p:txBody>
-      </p:sp>
-      <p:sp>
-        <p:nvSpPr>
-          <p:cNvPr id="123" name="Shape 123"/>
-          <p:cNvSpPr/>
-          <p:nvPr/>
-        </p:nvSpPr>
-        <p:spPr>
-          <a:xfrm>
-            <a:off x="3705395" y="5087381"/>
-            <a:ext cx="849175" cy="421393"/>
-          </a:xfrm>
-          <a:prstGeom prst="rect">
-            <a:avLst/>
-          </a:prstGeom>
-          <a:ln w="12700">
-            <a:miter lim="400000"/>
-          </a:ln>
-          <a:extLst>
-            <a:ext uri="{C572A759-6A51-4108-AA02-DFA0A04FC94B}">
-              <ma14:wrappingTextBoxFlag xmlns:ma14="http://schemas.microsoft.com/office/mac/drawingml/2011/main" val="1"/>
-            </a:ext>
-          </a:extLst>
-        </p:spPr>
-        <p:txBody>
-          <a:bodyPr wrap="none" lIns="45719" rIns="45719">
-            <a:spAutoFit/>
-          </a:bodyPr>
-          <a:lstStyle/>
-          <a:p>
-            <a:r>
-              <a:t>Entity</a:t>
-            </a:r>
-          </a:p>
-        </p:txBody>
-      </p:sp>
-      <p:sp>
-        <p:nvSpPr>
-          <p:cNvPr id="124" name="Shape 124"/>
-          <p:cNvSpPr/>
-          <p:nvPr/>
-        </p:nvSpPr>
-        <p:spPr>
-          <a:xfrm>
-            <a:off x="466695" y="1148204"/>
-            <a:ext cx="1974761" cy="421392"/>
-          </a:xfrm>
-          <a:prstGeom prst="rect">
-            <a:avLst/>
-          </a:prstGeom>
-          <a:ln w="12700">
-            <a:miter lim="400000"/>
-          </a:ln>
-          <a:extLst>
-            <a:ext uri="{C572A759-6A51-4108-AA02-DFA0A04FC94B}">
-              <ma14:wrappingTextBoxFlag xmlns:ma14="http://schemas.microsoft.com/office/mac/drawingml/2011/main" val="1"/>
-            </a:ext>
-          </a:extLst>
-        </p:spPr>
-        <p:txBody>
-          <a:bodyPr wrap="none" lIns="45719" rIns="45719">
-            <a:spAutoFit/>
-          </a:bodyPr>
-          <a:lstStyle>
-            <a:lvl1pPr>
-              <a:defRPr b="1" u="sng"/>
-            </a:lvl1pPr>
-          </a:lstStyle>
-          <a:p>
-            <a:r>
-              <a:t>Security Level</a:t>
-            </a:r>
-          </a:p>
-        </p:txBody>
-      </p:sp>
-      <p:sp>
-        <p:nvSpPr>
-          <p:cNvPr id="125" name="Shape 125"/>
-          <p:cNvSpPr/>
-          <p:nvPr/>
-        </p:nvSpPr>
-        <p:spPr>
-          <a:xfrm>
-            <a:off x="3159095" y="1148204"/>
-            <a:ext cx="1526640" cy="421392"/>
-          </a:xfrm>
-          <a:prstGeom prst="rect">
-            <a:avLst/>
-          </a:prstGeom>
-          <a:ln w="12700">
-            <a:miter lim="400000"/>
-          </a:ln>
-          <a:extLst>
-            <a:ext uri="{C572A759-6A51-4108-AA02-DFA0A04FC94B}">
-              <ma14:wrappingTextBoxFlag xmlns:ma14="http://schemas.microsoft.com/office/mac/drawingml/2011/main" val="1"/>
-            </a:ext>
-          </a:extLst>
-        </p:spPr>
-        <p:txBody>
-          <a:bodyPr wrap="none" lIns="45719" rIns="45719">
-            <a:spAutoFit/>
-          </a:bodyPr>
-          <a:lstStyle>
-            <a:lvl1pPr>
-              <a:defRPr b="1" u="sng">
-                <a:solidFill>
-                  <a:srgbClr val="FF2600"/>
-                </a:solidFill>
-              </a:defRPr>
-            </a:lvl1pPr>
-          </a:lstStyle>
-          <a:p>
-            <a:r>
-              <a:t>Disallowed</a:t>
-            </a:r>
-          </a:p>
-        </p:txBody>
-      </p:sp>
-      <p:sp>
-        <p:nvSpPr>
-          <p:cNvPr id="126" name="Shape 126"/>
-          <p:cNvSpPr/>
-          <p:nvPr/>
-        </p:nvSpPr>
-        <p:spPr>
-          <a:xfrm>
-            <a:off x="6676945" y="1148204"/>
-            <a:ext cx="1170941" cy="421392"/>
-          </a:xfrm>
-          <a:prstGeom prst="rect">
-            <a:avLst/>
-          </a:prstGeom>
-          <a:ln w="12700">
-            <a:miter lim="400000"/>
-          </a:ln>
-          <a:extLst>
-            <a:ext uri="{C572A759-6A51-4108-AA02-DFA0A04FC94B}">
-              <ma14:wrappingTextBoxFlag xmlns:ma14="http://schemas.microsoft.com/office/mac/drawingml/2011/main" val="1"/>
-            </a:ext>
-          </a:extLst>
-        </p:spPr>
-        <p:txBody>
-          <a:bodyPr wrap="none" lIns="45719" rIns="45719">
-            <a:spAutoFit/>
-          </a:bodyPr>
-          <a:lstStyle>
-            <a:lvl1pPr>
-              <a:defRPr b="1" u="sng">
-                <a:solidFill>
-                  <a:schemeClr val="accent1">
-                    <a:satOff val="-16666"/>
-                    <a:lumOff val="15000"/>
-                  </a:schemeClr>
-                </a:solidFill>
-              </a:defRPr>
-            </a:lvl1pPr>
-          </a:lstStyle>
-          <a:p>
-            <a:r>
-              <a:t>Allowed</a:t>
-            </a:r>
-          </a:p>
-        </p:txBody>
-      </p:sp>
-      <p:sp>
-        <p:nvSpPr>
-          <p:cNvPr id="127" name="Shape 127"/>
-          <p:cNvSpPr/>
-          <p:nvPr/>
-        </p:nvSpPr>
-        <p:spPr>
-          <a:xfrm>
-            <a:off x="1234466" y="1927019"/>
-            <a:ext cx="789941" cy="2135892"/>
-          </a:xfrm>
-          <a:prstGeom prst="rect">
-            <a:avLst/>
-          </a:prstGeom>
-          <a:ln w="12700">
-            <a:miter lim="400000"/>
-          </a:ln>
-          <a:extLst>
-            <a:ext uri="{C572A759-6A51-4108-AA02-DFA0A04FC94B}">
-              <ma14:wrappingTextBoxFlag xmlns:ma14="http://schemas.microsoft.com/office/mac/drawingml/2011/main" val="1"/>
-            </a:ext>
-          </a:extLst>
-        </p:spPr>
-        <p:txBody>
-          <a:bodyPr wrap="none" lIns="45719" rIns="45719">
-            <a:spAutoFit/>
-          </a:bodyPr>
-          <a:lstStyle/>
-          <a:p>
-            <a:r>
-              <a:t>High</a:t>
-            </a:r>
-          </a:p>
-          <a:p>
-            <a:endParaRPr/>
-          </a:p>
-          <a:p>
-            <a:endParaRPr/>
-          </a:p>
-          <a:p>
-            <a:endParaRPr/>
-          </a:p>
-          <a:p>
-            <a:endParaRPr/>
-          </a:p>
-          <a:p>
-            <a:r>
-              <a:t>Low</a:t>
-            </a:r>
-          </a:p>
-        </p:txBody>
-      </p:sp>
-      <p:sp>
-        <p:nvSpPr>
-          <p:cNvPr id="128" name="Shape 128"/>
-          <p:cNvSpPr/>
-          <p:nvPr/>
-        </p:nvSpPr>
-        <p:spPr>
-          <a:xfrm>
-            <a:off x="6162625" y="2043256"/>
-            <a:ext cx="428675" cy="395993"/>
-          </a:xfrm>
-          <a:prstGeom prst="rect">
-            <a:avLst/>
-          </a:prstGeom>
-          <a:solidFill>
-            <a:srgbClr val="FFFFCC"/>
-          </a:solidFill>
-          <a:ln w="25400">
-            <a:solidFill>
-              <a:schemeClr val="accent1"/>
-            </a:solidFill>
-            <a:bevel/>
-          </a:ln>
-        </p:spPr>
-        <p:txBody>
-          <a:bodyPr lIns="45719" rIns="45719"/>
-          <a:lstStyle/>
-          <a:p>
-            <a:endParaRPr/>
-          </a:p>
-        </p:txBody>
-      </p:sp>
-      <p:sp>
-        <p:nvSpPr>
-          <p:cNvPr id="129" name="Shape 129"/>
-          <p:cNvSpPr/>
-          <p:nvPr/>
-        </p:nvSpPr>
-        <p:spPr>
-          <a:xfrm>
-            <a:off x="4306391" y="2043256"/>
-            <a:ext cx="428676" cy="395993"/>
-          </a:xfrm>
-          <a:prstGeom prst="rect">
-            <a:avLst/>
-          </a:prstGeom>
-          <a:solidFill>
-            <a:srgbClr val="FFFFCC"/>
-          </a:solidFill>
-          <a:ln w="25400">
-            <a:solidFill>
-              <a:schemeClr val="accent1"/>
-            </a:solidFill>
-            <a:bevel/>
-          </a:ln>
-        </p:spPr>
-        <p:txBody>
-          <a:bodyPr lIns="45719" rIns="45719"/>
-          <a:lstStyle/>
-          <a:p>
-            <a:endParaRPr/>
-          </a:p>
-        </p:txBody>
-      </p:sp>
-      <p:sp>
-        <p:nvSpPr>
-          <p:cNvPr id="130" name="Shape 130"/>
-          <p:cNvSpPr/>
-          <p:nvPr/>
-        </p:nvSpPr>
-        <p:spPr>
-          <a:xfrm>
-            <a:off x="3203268" y="3665830"/>
-            <a:ext cx="428676" cy="395993"/>
-          </a:xfrm>
-          <a:prstGeom prst="rect">
-            <a:avLst/>
-          </a:prstGeom>
-          <a:solidFill>
-            <a:srgbClr val="FFFFCC"/>
-          </a:solidFill>
-          <a:ln w="25400">
-            <a:solidFill>
-              <a:schemeClr val="accent1"/>
-            </a:solidFill>
-            <a:bevel/>
-          </a:ln>
-        </p:spPr>
-        <p:txBody>
-          <a:bodyPr lIns="45719" rIns="45719"/>
-          <a:lstStyle/>
-          <a:p>
-            <a:endParaRPr/>
-          </a:p>
-        </p:txBody>
-      </p:sp>
-      <p:sp>
-        <p:nvSpPr>
-          <p:cNvPr id="131" name="Shape 131"/>
-          <p:cNvSpPr/>
-          <p:nvPr/>
-        </p:nvSpPr>
-        <p:spPr>
-          <a:xfrm>
-            <a:off x="7621091" y="3665830"/>
-            <a:ext cx="428676" cy="395993"/>
-          </a:xfrm>
-          <a:prstGeom prst="rect">
-            <a:avLst/>
-          </a:prstGeom>
-          <a:solidFill>
-            <a:srgbClr val="FFFFCC"/>
-          </a:solidFill>
-          <a:ln w="25400">
-            <a:solidFill>
-              <a:schemeClr val="accent1"/>
-            </a:solidFill>
-            <a:bevel/>
-          </a:ln>
-        </p:spPr>
-        <p:txBody>
-          <a:bodyPr lIns="45719" rIns="45719"/>
-          <a:lstStyle/>
-          <a:p>
-            <a:endParaRPr/>
-          </a:p>
-        </p:txBody>
-      </p:sp>
-      <p:sp>
-        <p:nvSpPr>
-          <p:cNvPr id="132" name="Shape 132"/>
-          <p:cNvSpPr/>
-          <p:nvPr/>
-        </p:nvSpPr>
-        <p:spPr>
-          <a:xfrm>
-            <a:off x="3157256" y="1980604"/>
-            <a:ext cx="520701" cy="521296"/>
-          </a:xfrm>
-          <a:prstGeom prst="ellipse">
-            <a:avLst/>
-          </a:prstGeom>
-          <a:solidFill>
-            <a:srgbClr val="FFFFCC"/>
-          </a:solidFill>
-          <a:ln w="25400">
-            <a:solidFill>
-              <a:schemeClr val="accent1"/>
-            </a:solidFill>
-            <a:bevel/>
-          </a:ln>
-        </p:spPr>
-        <p:txBody>
-          <a:bodyPr lIns="45719" rIns="45719"/>
-          <a:lstStyle/>
-          <a:p>
-            <a:endParaRPr/>
-          </a:p>
-        </p:txBody>
-      </p:sp>
-      <p:sp>
-        <p:nvSpPr>
-          <p:cNvPr id="133" name="Shape 133"/>
-          <p:cNvSpPr/>
-          <p:nvPr/>
-        </p:nvSpPr>
-        <p:spPr>
-          <a:xfrm>
-            <a:off x="4256434" y="3603178"/>
-            <a:ext cx="520701" cy="521296"/>
-          </a:xfrm>
-          <a:prstGeom prst="ellipse">
-            <a:avLst/>
-          </a:prstGeom>
-          <a:solidFill>
-            <a:srgbClr val="FFFFCC"/>
-          </a:solidFill>
-          <a:ln w="25400">
-            <a:solidFill>
-              <a:schemeClr val="accent1"/>
-            </a:solidFill>
-            <a:bevel/>
-          </a:ln>
-        </p:spPr>
-        <p:txBody>
-          <a:bodyPr lIns="45719" rIns="45719"/>
-          <a:lstStyle/>
-          <a:p>
-            <a:endParaRPr/>
-          </a:p>
-        </p:txBody>
-      </p:sp>
-      <p:sp>
-        <p:nvSpPr>
-          <p:cNvPr id="134" name="Shape 134"/>
-          <p:cNvSpPr/>
-          <p:nvPr/>
-        </p:nvSpPr>
-        <p:spPr>
-          <a:xfrm>
-            <a:off x="6116612" y="3603178"/>
-            <a:ext cx="520701" cy="521296"/>
-          </a:xfrm>
-          <a:prstGeom prst="ellipse">
-            <a:avLst/>
-          </a:prstGeom>
-          <a:solidFill>
-            <a:srgbClr val="FFFFCC"/>
-          </a:solidFill>
-          <a:ln w="25400">
-            <a:solidFill>
-              <a:schemeClr val="accent1"/>
-            </a:solidFill>
-            <a:bevel/>
-          </a:ln>
-        </p:spPr>
-        <p:txBody>
-          <a:bodyPr lIns="45719" rIns="45719"/>
-          <a:lstStyle/>
-          <a:p>
-            <a:endParaRPr/>
-          </a:p>
-        </p:txBody>
-      </p:sp>
-      <p:sp>
-        <p:nvSpPr>
-          <p:cNvPr id="135" name="Shape 135"/>
-          <p:cNvSpPr/>
-          <p:nvPr/>
-        </p:nvSpPr>
-        <p:spPr>
-          <a:xfrm>
-            <a:off x="7575078" y="1980604"/>
-            <a:ext cx="520701" cy="521296"/>
-          </a:xfrm>
-          <a:prstGeom prst="ellipse">
-            <a:avLst/>
-          </a:prstGeom>
-          <a:solidFill>
-            <a:srgbClr val="FFFFCC"/>
-          </a:solidFill>
-          <a:ln w="25400">
-            <a:solidFill>
-              <a:schemeClr val="accent1"/>
-            </a:solidFill>
-            <a:bevel/>
-          </a:ln>
-        </p:spPr>
-        <p:txBody>
-          <a:bodyPr lIns="45719" rIns="45719"/>
-          <a:lstStyle/>
-          <a:p>
-            <a:endParaRPr/>
-          </a:p>
-        </p:txBody>
-      </p:sp>
-      <p:sp>
-        <p:nvSpPr>
-          <p:cNvPr id="136" name="Shape 136"/>
-          <p:cNvSpPr/>
-          <p:nvPr/>
-        </p:nvSpPr>
-        <p:spPr>
-          <a:xfrm flipV="1">
-            <a:off x="7835428" y="2516137"/>
-            <a:ext cx="1" cy="1135456"/>
-          </a:xfrm>
-          <a:prstGeom prst="line">
-            <a:avLst/>
-          </a:prstGeom>
-          <a:ln w="25400">
-            <a:solidFill>
-              <a:schemeClr val="accent1"/>
-            </a:solidFill>
-            <a:bevel/>
-            <a:tailEnd type="triangle"/>
-          </a:ln>
-          <a:effectLst>
-            <a:outerShdw blurRad="38100" dist="20000" dir="5400000" rotWithShape="0">
-              <a:srgbClr val="000000">
-                <a:alpha val="38000"/>
-              </a:srgbClr>
-            </a:outerShdw>
-          </a:effectLst>
-        </p:spPr>
-        <p:txBody>
-          <a:bodyPr lIns="45719" rIns="45719"/>
-          <a:lstStyle/>
-          <a:p>
-            <a:pPr defTabSz="457200">
-              <a:defRPr sz="1200">
-                <a:latin typeface="+mn-lt"/>
-                <a:ea typeface="+mn-ea"/>
-                <a:cs typeface="+mn-cs"/>
-                <a:sym typeface="Helvetica"/>
-              </a:defRPr>
-            </a:pPr>
-            <a:endParaRPr/>
-          </a:p>
-        </p:txBody>
-      </p:sp>
-      <p:sp>
-        <p:nvSpPr>
-          <p:cNvPr id="137" name="Shape 137"/>
-          <p:cNvSpPr/>
-          <p:nvPr/>
-        </p:nvSpPr>
-        <p:spPr>
-          <a:xfrm flipV="1">
-            <a:off x="6376962" y="2427237"/>
-            <a:ext cx="1" cy="1135456"/>
-          </a:xfrm>
-          <a:prstGeom prst="line">
-            <a:avLst/>
-          </a:prstGeom>
-          <a:ln w="25400">
-            <a:solidFill>
-              <a:schemeClr val="accent1"/>
-            </a:solidFill>
-            <a:bevel/>
-            <a:tailEnd type="triangle"/>
-          </a:ln>
-          <a:effectLst>
-            <a:outerShdw blurRad="38100" dist="20000" dir="5400000" rotWithShape="0">
-              <a:srgbClr val="000000">
-                <a:alpha val="38000"/>
-              </a:srgbClr>
-            </a:outerShdw>
-          </a:effectLst>
-        </p:spPr>
-        <p:txBody>
-          <a:bodyPr lIns="45719" rIns="45719"/>
-          <a:lstStyle/>
-          <a:p>
-            <a:pPr defTabSz="457200">
-              <a:defRPr sz="1200">
-                <a:latin typeface="+mn-lt"/>
-                <a:ea typeface="+mn-ea"/>
-                <a:cs typeface="+mn-cs"/>
-                <a:sym typeface="Helvetica"/>
-              </a:defRPr>
-            </a:pPr>
-            <a:endParaRPr/>
-          </a:p>
-        </p:txBody>
-      </p:sp>
-      <p:sp>
-        <p:nvSpPr>
-          <p:cNvPr id="138" name="Shape 138"/>
-          <p:cNvSpPr/>
-          <p:nvPr/>
-        </p:nvSpPr>
-        <p:spPr>
-          <a:xfrm>
-            <a:off x="7896195" y="2784269"/>
-            <a:ext cx="938174" cy="764292"/>
-          </a:xfrm>
-          <a:prstGeom prst="rect">
-            <a:avLst/>
-          </a:prstGeom>
-          <a:ln w="12700">
-            <a:miter lim="400000"/>
-          </a:ln>
-          <a:extLst>
-            <a:ext uri="{C572A759-6A51-4108-AA02-DFA0A04FC94B}">
-              <ma14:wrappingTextBoxFlag xmlns:ma14="http://schemas.microsoft.com/office/mac/drawingml/2011/main" val="1"/>
-            </a:ext>
-          </a:extLst>
-        </p:spPr>
-        <p:txBody>
-          <a:bodyPr wrap="none" lIns="45719" rIns="45719">
-            <a:spAutoFit/>
-          </a:bodyPr>
-          <a:lstStyle/>
-          <a:p>
-            <a:r>
-              <a:t>Write </a:t>
-            </a:r>
-          </a:p>
-          <a:p>
-            <a:r>
-              <a:t>UP</a:t>
-            </a:r>
-          </a:p>
-        </p:txBody>
-      </p:sp>
-      <p:sp>
-        <p:nvSpPr>
-          <p:cNvPr id="139" name="Shape 139"/>
-          <p:cNvSpPr/>
-          <p:nvPr/>
-        </p:nvSpPr>
-        <p:spPr>
-          <a:xfrm>
-            <a:off x="6372195" y="2701719"/>
-            <a:ext cx="1052176" cy="764292"/>
-          </a:xfrm>
-          <a:prstGeom prst="rect">
-            <a:avLst/>
-          </a:prstGeom>
-          <a:ln w="12700">
-            <a:miter lim="400000"/>
-          </a:ln>
-          <a:extLst>
-            <a:ext uri="{C572A759-6A51-4108-AA02-DFA0A04FC94B}">
-              <ma14:wrappingTextBoxFlag xmlns:ma14="http://schemas.microsoft.com/office/mac/drawingml/2011/main" val="1"/>
-            </a:ext>
-          </a:extLst>
-        </p:spPr>
-        <p:txBody>
-          <a:bodyPr wrap="none" lIns="45719" rIns="45719">
-            <a:spAutoFit/>
-          </a:bodyPr>
-          <a:lstStyle/>
-          <a:p>
-            <a:r>
-              <a:t>Read </a:t>
-            </a:r>
-          </a:p>
-          <a:p>
-            <a:r>
-              <a:t>DOWN</a:t>
-            </a:r>
-          </a:p>
-        </p:txBody>
-      </p:sp>
-      <p:sp>
-        <p:nvSpPr>
-          <p:cNvPr id="140" name="Shape 140"/>
-          <p:cNvSpPr/>
-          <p:nvPr/>
-        </p:nvSpPr>
-        <p:spPr>
-          <a:xfrm>
-            <a:off x="3417606" y="2513058"/>
-            <a:ext cx="1" cy="1141615"/>
-          </a:xfrm>
-          <a:prstGeom prst="line">
-            <a:avLst/>
-          </a:prstGeom>
-          <a:ln w="25400">
-            <a:solidFill>
-              <a:srgbClr val="FF2600"/>
-            </a:solidFill>
-            <a:bevel/>
-            <a:tailEnd type="triangle"/>
-          </a:ln>
-          <a:effectLst>
-            <a:outerShdw blurRad="38100" dist="20000" dir="5400000" rotWithShape="0">
-              <a:srgbClr val="000000">
-                <a:alpha val="38000"/>
-              </a:srgbClr>
-            </a:outerShdw>
-          </a:effectLst>
-        </p:spPr>
-        <p:txBody>
-          <a:bodyPr lIns="45719" rIns="45719"/>
-          <a:lstStyle/>
-          <a:p>
-            <a:pPr defTabSz="457200">
-              <a:defRPr sz="1200">
-                <a:latin typeface="+mn-lt"/>
-                <a:ea typeface="+mn-ea"/>
-                <a:cs typeface="+mn-cs"/>
-                <a:sym typeface="Helvetica"/>
-              </a:defRPr>
-            </a:pPr>
-            <a:endParaRPr/>
-          </a:p>
-        </p:txBody>
-      </p:sp>
-      <p:sp>
-        <p:nvSpPr>
-          <p:cNvPr id="141" name="Shape 141"/>
-          <p:cNvSpPr/>
-          <p:nvPr/>
-        </p:nvSpPr>
-        <p:spPr>
-          <a:xfrm>
-            <a:off x="2636529" y="2701719"/>
-            <a:ext cx="882810" cy="764292"/>
-          </a:xfrm>
-          <a:prstGeom prst="rect">
-            <a:avLst/>
-          </a:prstGeom>
-          <a:ln w="12700">
-            <a:miter lim="400000"/>
-          </a:ln>
-          <a:extLst>
-            <a:ext uri="{C572A759-6A51-4108-AA02-DFA0A04FC94B}">
-              <ma14:wrappingTextBoxFlag xmlns:ma14="http://schemas.microsoft.com/office/mac/drawingml/2011/main" val="1"/>
-            </a:ext>
-          </a:extLst>
-        </p:spPr>
-        <p:txBody>
-          <a:bodyPr wrap="none" lIns="45719" rIns="45719">
-            <a:spAutoFit/>
-          </a:bodyPr>
-          <a:lstStyle/>
-          <a:p>
-            <a:r>
-              <a:t>Read </a:t>
-            </a:r>
-          </a:p>
-          <a:p>
-            <a:r>
-              <a:t>UP</a:t>
-            </a:r>
-          </a:p>
-        </p:txBody>
-      </p:sp>
-      <p:sp>
-        <p:nvSpPr>
-          <p:cNvPr id="142" name="Shape 142"/>
-          <p:cNvSpPr/>
-          <p:nvPr/>
-        </p:nvSpPr>
-        <p:spPr>
-          <a:xfrm>
-            <a:off x="4516784" y="2424158"/>
-            <a:ext cx="1" cy="1141615"/>
-          </a:xfrm>
-          <a:prstGeom prst="line">
-            <a:avLst/>
-          </a:prstGeom>
-          <a:ln w="25400">
-            <a:solidFill>
-              <a:srgbClr val="FF2600"/>
-            </a:solidFill>
-            <a:bevel/>
-            <a:tailEnd type="triangle"/>
-          </a:ln>
-          <a:effectLst>
-            <a:outerShdw blurRad="38100" dist="20000" dir="5400000" rotWithShape="0">
-              <a:srgbClr val="000000">
-                <a:alpha val="38000"/>
-              </a:srgbClr>
-            </a:outerShdw>
-          </a:effectLst>
-        </p:spPr>
-        <p:txBody>
-          <a:bodyPr lIns="45719" rIns="45719"/>
-          <a:lstStyle/>
-          <a:p>
-            <a:pPr defTabSz="457200">
-              <a:defRPr sz="1200">
-                <a:latin typeface="+mn-lt"/>
-                <a:ea typeface="+mn-ea"/>
-                <a:cs typeface="+mn-cs"/>
-                <a:sym typeface="Helvetica"/>
-              </a:defRPr>
-            </a:pPr>
-            <a:endParaRPr/>
-          </a:p>
-        </p:txBody>
-      </p:sp>
-      <p:sp>
-        <p:nvSpPr>
-          <p:cNvPr id="143" name="Shape 143"/>
-          <p:cNvSpPr/>
-          <p:nvPr/>
-        </p:nvSpPr>
-        <p:spPr>
-          <a:xfrm>
-            <a:off x="4504362" y="2612819"/>
-            <a:ext cx="1052176" cy="764292"/>
-          </a:xfrm>
-          <a:prstGeom prst="rect">
-            <a:avLst/>
-          </a:prstGeom>
-          <a:ln w="12700">
-            <a:miter lim="400000"/>
-          </a:ln>
-          <a:extLst>
-            <a:ext uri="{C572A759-6A51-4108-AA02-DFA0A04FC94B}">
-              <ma14:wrappingTextBoxFlag xmlns:ma14="http://schemas.microsoft.com/office/mac/drawingml/2011/main" val="1"/>
-            </a:ext>
-          </a:extLst>
-        </p:spPr>
-        <p:txBody>
-          <a:bodyPr wrap="none" lIns="45719" rIns="45719">
-            <a:spAutoFit/>
-          </a:bodyPr>
-          <a:lstStyle/>
-          <a:p>
-            <a:r>
-              <a:t>Write </a:t>
-            </a:r>
-          </a:p>
-          <a:p>
-            <a:r>
-              <a:t>DOWN</a:t>
-            </a:r>
-          </a:p>
-        </p:txBody>
-      </p:sp>
-      <p:sp>
-        <p:nvSpPr>
-          <p:cNvPr id="144" name="Shape 144"/>
-          <p:cNvSpPr/>
-          <p:nvPr/>
-        </p:nvSpPr>
-        <p:spPr>
-          <a:xfrm flipV="1">
-            <a:off x="5542492" y="1234077"/>
-            <a:ext cx="1" cy="3699576"/>
-          </a:xfrm>
-          <a:prstGeom prst="line">
-            <a:avLst/>
-          </a:prstGeom>
-          <a:ln w="25400">
-            <a:solidFill>
-              <a:schemeClr val="accent1"/>
-            </a:solidFill>
-            <a:bevel/>
-          </a:ln>
-          <a:effectLst>
-            <a:outerShdw blurRad="38100" dist="20000" dir="5400000" rotWithShape="0">
-              <a:srgbClr val="000000">
-                <a:alpha val="38000"/>
-              </a:srgbClr>
-            </a:outerShdw>
-          </a:effectLst>
-        </p:spPr>
-        <p:txBody>
-          <a:bodyPr lIns="45719" rIns="45719"/>
-          <a:lstStyle/>
-          <a:p>
-            <a:pPr defTabSz="457200">
-              <a:defRPr sz="1200">
-                <a:latin typeface="+mn-lt"/>
-                <a:ea typeface="+mn-ea"/>
-                <a:cs typeface="+mn-cs"/>
-                <a:sym typeface="Helvetica"/>
-              </a:defRPr>
-            </a:pPr>
-            <a:endParaRPr/>
-          </a:p>
-        </p:txBody>
-      </p:sp>
-      <p:sp>
-        <p:nvSpPr>
-          <p:cNvPr id="145" name="Shape 145"/>
-          <p:cNvSpPr/>
-          <p:nvPr/>
-        </p:nvSpPr>
-        <p:spPr>
-          <a:xfrm flipV="1">
-            <a:off x="2584481" y="1145177"/>
-            <a:ext cx="1" cy="3699576"/>
-          </a:xfrm>
-          <a:prstGeom prst="line">
-            <a:avLst/>
-          </a:prstGeom>
-          <a:ln w="25400">
-            <a:solidFill>
-              <a:schemeClr val="accent1"/>
-            </a:solidFill>
-            <a:bevel/>
-          </a:ln>
-          <a:effectLst>
-            <a:outerShdw blurRad="38100" dist="20000" dir="5400000" rotWithShape="0">
-              <a:srgbClr val="000000">
-                <a:alpha val="38000"/>
-              </a:srgbClr>
-            </a:outerShdw>
-          </a:effectLst>
-        </p:spPr>
-        <p:txBody>
-          <a:bodyPr lIns="45719" rIns="45719"/>
-          <a:lstStyle/>
-          <a:p>
-            <a:pPr defTabSz="457200">
-              <a:defRPr sz="1200">
-                <a:latin typeface="+mn-lt"/>
-                <a:ea typeface="+mn-ea"/>
-                <a:cs typeface="+mn-cs"/>
-                <a:sym typeface="Helvetica"/>
-              </a:defRPr>
-            </a:pPr>
-            <a:endParaRPr/>
-          </a:p>
-        </p:txBody>
-      </p:sp>
-      <p:sp>
-        <p:nvSpPr>
-          <p:cNvPr id="146" name="Shape 146"/>
-          <p:cNvSpPr/>
-          <p:nvPr/>
-        </p:nvSpPr>
-        <p:spPr>
-          <a:xfrm>
-            <a:off x="55547" y="5728046"/>
-            <a:ext cx="9044396" cy="837508"/>
-          </a:xfrm>
-          <a:prstGeom prst="rect">
-            <a:avLst/>
-          </a:prstGeom>
-          <a:ln w="12700">
-            <a:miter lim="400000"/>
-          </a:ln>
-          <a:extLst>
-            <a:ext uri="{C572A759-6A51-4108-AA02-DFA0A04FC94B}">
-              <ma14:wrappingTextBoxFlag xmlns:ma14="http://schemas.microsoft.com/office/mac/drawingml/2011/main" val="1"/>
-            </a:ext>
-          </a:extLst>
-        </p:spPr>
-        <p:txBody>
-          <a:bodyPr wrap="none" lIns="45719" rIns="45719">
-            <a:spAutoFit/>
-          </a:bodyPr>
-          <a:lstStyle/>
-          <a:p>
-            <a:pPr>
-              <a:spcBef>
-                <a:spcPts val="700"/>
-              </a:spcBef>
-              <a:defRPr sz="2200"/>
-            </a:pPr>
-            <a:r>
-              <a:t>No Read UP: Lower classification level should not read data from higher-level.</a:t>
-            </a:r>
-          </a:p>
-          <a:p>
-            <a:pPr>
-              <a:spcBef>
-                <a:spcPts val="700"/>
-              </a:spcBef>
-              <a:defRPr sz="2200"/>
-            </a:pPr>
-            <a:r>
-              <a:t>No Write DOWN: Higher  level should not write data to lower level.</a:t>
-            </a:r>
-          </a:p>
-        </p:txBody>
-      </p:sp>
-    </p:spTree>
-  </p:cSld>
-  <p:clrMapOvr>
-    <a:masterClrMapping/>
-  </p:clrMapOvr>
-  <p:transition spd="med"/>
-</p:sld>
-</file>
-
-<file path=ppt/slides/slide21.xml><?xml version="1.0" encoding="utf-8"?>
-<p:sld xmlns:a="http://schemas.openxmlformats.org/drawingml/2006/main" xmlns:r="http://schemas.openxmlformats.org/officeDocument/2006/relationships" xmlns:p="http://schemas.openxmlformats.org/presentationml/2006/main">
-  <p:cSld>
-    <p:spTree>
-      <p:nvGrpSpPr>
-        <p:cNvPr id="1" name=""/>
-        <p:cNvGrpSpPr/>
-        <p:nvPr/>
-      </p:nvGrpSpPr>
-      <p:grpSpPr>
-        <a:xfrm>
-          <a:off x="0" y="0"/>
-          <a:ext cx="0" cy="0"/>
-          <a:chOff x="0" y="0"/>
-          <a:chExt cx="0" cy="0"/>
-        </a:xfrm>
-      </p:grpSpPr>
-      <p:sp>
-        <p:nvSpPr>
-          <p:cNvPr id="148" name="Shape 148"/>
-          <p:cNvSpPr>
-            <a:spLocks noGrp="1"/>
-          </p:cNvSpPr>
-          <p:nvPr>
-            <p:ph type="title"/>
-          </p:nvPr>
-        </p:nvSpPr>
-        <p:spPr>
-          <a:prstGeom prst="rect">
-            <a:avLst/>
-          </a:prstGeom>
-        </p:spPr>
-        <p:txBody>
-          <a:bodyPr/>
-          <a:lstStyle/>
-          <a:p>
-            <a:r>
-              <a:t>MLS Pump</a:t>
-            </a:r>
-          </a:p>
-        </p:txBody>
-      </p:sp>
-      <p:sp>
-        <p:nvSpPr>
-          <p:cNvPr id="149" name="Shape 149"/>
-          <p:cNvSpPr>
-            <a:spLocks noGrp="1"/>
-          </p:cNvSpPr>
-          <p:nvPr>
-            <p:ph type="body" idx="1"/>
-          </p:nvPr>
-        </p:nvSpPr>
-        <p:spPr>
-          <a:xfrm>
-            <a:off x="112463" y="1015404"/>
-            <a:ext cx="8919074" cy="5842596"/>
-          </a:xfrm>
-          <a:prstGeom prst="rect">
-            <a:avLst/>
-          </a:prstGeom>
-        </p:spPr>
-        <p:txBody>
-          <a:bodyPr/>
-          <a:lstStyle/>
-          <a:p>
-            <a:pPr marL="320842" indent="-320842">
-              <a:defRPr sz="3000"/>
-            </a:pPr>
-            <a:r>
-              <a:t>In practice, to get things done, upper-level must at least acknowledge the receipt of data from lower level.</a:t>
-            </a:r>
-          </a:p>
-          <a:p>
-            <a:pPr lvl="1">
-              <a:defRPr sz="3000"/>
-            </a:pPr>
-            <a:r>
-              <a:t>But acks create a backdoor for covert channels (surreptitious communication)</a:t>
-            </a:r>
-          </a:p>
-          <a:p>
-            <a:pPr marL="320842" indent="-320842">
-              <a:defRPr sz="3000"/>
-            </a:pPr>
-            <a:endParaRPr/>
-          </a:p>
-          <a:p>
-            <a:pPr marL="320842" indent="-320842">
-              <a:defRPr sz="3000"/>
-            </a:pPr>
-            <a:r>
-              <a:t>An MLS Pump</a:t>
-            </a:r>
-          </a:p>
-          <a:p>
-            <a:pPr lvl="1">
-              <a:defRPr sz="3000"/>
-            </a:pPr>
-            <a:r>
-              <a:t>Allows acks from higher to lower levels, </a:t>
-            </a:r>
-          </a:p>
-          <a:p>
-            <a:pPr lvl="1">
-              <a:defRPr sz="3000"/>
-            </a:pPr>
-            <a:r>
-              <a:t>but at such a low data rate that covert channels become impractical.</a:t>
-            </a:r>
-          </a:p>
-        </p:txBody>
-      </p:sp>
     </p:spTree>
   </p:cSld>
   <p:clrMapOvr>
@@ -5908,7 +5553,7 @@
       </p:grpSpPr>
       <p:sp>
         <p:nvSpPr>
-          <p:cNvPr id="78" name="Shape 78"/>
+          <p:cNvPr id="81" name="Shape 81"/>
           <p:cNvSpPr>
             <a:spLocks noGrp="1"/>
           </p:cNvSpPr>
@@ -5917,23 +5562,51 @@
           </p:nvPr>
         </p:nvSpPr>
         <p:spPr>
+          <a:xfrm>
+            <a:off x="26739" y="-1"/>
+            <a:ext cx="8978106" cy="1143001"/>
+          </a:xfrm>
           <a:prstGeom prst="rect">
             <a:avLst/>
           </a:prstGeom>
         </p:spPr>
         <p:txBody>
-          <a:bodyPr/>
+          <a:bodyPr>
+            <a:normAutofit/>
+          </a:bodyPr>
           <a:lstStyle/>
           <a:p>
-            <a:r>
-              <a:t>Virus and Worm</a:t>
+            <a:pPr defTabSz="630936">
+              <a:defRPr sz="3036"/>
+            </a:pPr>
+            <a:r>
+              <a:rPr u="sng" dirty="0"/>
+              <a:t>Login </a:t>
+            </a:r>
+            <a:r>
+              <a:rPr u="sng" dirty="0" smtClean="0"/>
+              <a:t>Spoofing</a:t>
+            </a:r>
+            <a:r>
+              <a:rPr lang="en-US" u="sng" dirty="0" smtClean="0"/>
+              <a:t> and Trusted Path</a:t>
+            </a:r>
+            <a:endParaRPr u="sng" dirty="0"/>
+          </a:p>
+          <a:p>
+            <a:pPr defTabSz="630936">
+              <a:defRPr sz="3036"/>
+            </a:pPr>
+            <a:r>
+              <a:rPr dirty="0"/>
+              <a:t>“I’m sure I entered the right password. What happened?”</a:t>
             </a:r>
           </a:p>
         </p:txBody>
       </p:sp>
       <p:sp>
         <p:nvSpPr>
-          <p:cNvPr id="79" name="Shape 79"/>
+          <p:cNvPr id="82" name="Shape 82"/>
           <p:cNvSpPr>
             <a:spLocks noGrp="1"/>
           </p:cNvSpPr>
@@ -5943,51 +5616,177 @@
         </p:nvSpPr>
         <p:spPr>
           <a:xfrm>
-            <a:off x="112463" y="1076622"/>
-            <a:ext cx="8919074" cy="5781378"/>
+            <a:off x="202307" y="3496281"/>
+            <a:ext cx="8739385" cy="3670091"/>
           </a:xfrm>
           <a:prstGeom prst="rect">
             <a:avLst/>
           </a:prstGeom>
         </p:spPr>
         <p:txBody>
-          <a:bodyPr/>
+          <a:bodyPr>
+            <a:normAutofit/>
+          </a:bodyPr>
           <a:lstStyle/>
           <a:p>
-            <a:r>
-              <a:t>Virus</a:t>
-            </a:r>
-          </a:p>
-          <a:p>
-            <a:pPr lvl="1"/>
-            <a:r>
-              <a:t>program that can reproduce itself by attaching its code to another program</a:t>
-            </a:r>
-          </a:p>
-          <a:p>
-            <a:pPr lvl="1"/>
-            <a:r>
-              <a:t>requires human intervention to spread to another machine</a:t>
-            </a:r>
-          </a:p>
-          <a:p>
-            <a:endParaRPr/>
-          </a:p>
-          <a:p>
-            <a:r>
-              <a:t>Worms </a:t>
-            </a:r>
-          </a:p>
-          <a:p>
-            <a:pPr lvl="1"/>
-            <a:r>
-              <a:t>spread across machines</a:t>
-            </a:r>
-          </a:p>
-          <a:p>
-            <a:pPr lvl="1"/>
-            <a:r>
-              <a:t>automatically, or with human assistance </a:t>
+            <a:pPr marL="342900" indent="-342900">
+              <a:lnSpc>
+                <a:spcPct val="90000"/>
+              </a:lnSpc>
+              <a:buSzTx/>
+              <a:buNone/>
+              <a:defRPr sz="2200"/>
+            </a:pPr>
+            <a:r>
+              <a:rPr dirty="0"/>
+              <a:t>Countermeasures: </a:t>
+            </a:r>
+          </a:p>
+          <a:p>
+            <a:pPr marL="320842" indent="-320842">
+              <a:lnSpc>
+                <a:spcPct val="90000"/>
+              </a:lnSpc>
+              <a:defRPr sz="2200"/>
+            </a:pPr>
+            <a:r>
+              <a:rPr dirty="0"/>
+              <a:t>Cautious user can intentionally enter a fake password the first (few) time(s).</a:t>
+            </a:r>
+          </a:p>
+          <a:p>
+            <a:pPr marL="320842" indent="-320842">
+              <a:lnSpc>
+                <a:spcPct val="90000"/>
+              </a:lnSpc>
+              <a:defRPr sz="2200"/>
+            </a:pPr>
+            <a:r>
+              <a:rPr dirty="0"/>
+              <a:t>Use “Trusted Path” </a:t>
+            </a:r>
+          </a:p>
+          <a:p>
+            <a:pPr lvl="1">
+              <a:lnSpc>
+                <a:spcPct val="90000"/>
+              </a:lnSpc>
+              <a:defRPr sz="2200"/>
+            </a:pPr>
+            <a:r>
+              <a:rPr dirty="0"/>
+              <a:t>A sequence of user actions that is guaranteed to give control to the OS.</a:t>
+            </a:r>
+          </a:p>
+          <a:p>
+            <a:pPr lvl="1">
+              <a:lnSpc>
+                <a:spcPct val="90000"/>
+              </a:lnSpc>
+              <a:defRPr sz="2200"/>
+            </a:pPr>
+            <a:r>
+              <a:rPr dirty="0"/>
+              <a:t>E.g. pressing Ctrl-Alt-Del could guarantee that legitimate login (or logout) screen will show up.</a:t>
+            </a:r>
+          </a:p>
+        </p:txBody>
+      </p:sp>
+      <p:pic>
+        <p:nvPicPr>
+          <p:cNvPr id="83" name="image.png"/>
+          <p:cNvPicPr>
+            <a:picLocks noChangeAspect="1"/>
+          </p:cNvPicPr>
+          <p:nvPr/>
+        </p:nvPicPr>
+        <p:blipFill>
+          <a:blip r:embed="rId2">
+            <a:extLst/>
+          </a:blip>
+          <a:stretch>
+            <a:fillRect/>
+          </a:stretch>
+        </p:blipFill>
+        <p:spPr>
+          <a:xfrm>
+            <a:off x="2179637" y="1258887"/>
+            <a:ext cx="5639353" cy="1715108"/>
+          </a:xfrm>
+          <a:prstGeom prst="rect">
+            <a:avLst/>
+          </a:prstGeom>
+          <a:ln w="12700">
+            <a:miter lim="400000"/>
+          </a:ln>
+        </p:spPr>
+      </p:pic>
+      <p:sp>
+        <p:nvSpPr>
+          <p:cNvPr id="84" name="Shape 84"/>
+          <p:cNvSpPr/>
+          <p:nvPr/>
+        </p:nvSpPr>
+        <p:spPr>
+          <a:xfrm>
+            <a:off x="1786304" y="2935541"/>
+            <a:ext cx="2626331" cy="421393"/>
+          </a:xfrm>
+          <a:prstGeom prst="rect">
+            <a:avLst/>
+          </a:prstGeom>
+          <a:ln w="12700">
+            <a:miter lim="400000"/>
+          </a:ln>
+          <a:extLst>
+            <a:ext uri="{C572A759-6A51-4108-AA02-DFA0A04FC94B}">
+              <ma14:wrappingTextBoxFlag xmlns:ma14="http://schemas.microsoft.com/office/mac/drawingml/2011/main" val="1"/>
+            </a:ext>
+          </a:extLst>
+        </p:spPr>
+        <p:txBody>
+          <a:bodyPr wrap="none" lIns="45719" rIns="45719">
+            <a:spAutoFit/>
+          </a:bodyPr>
+          <a:lstStyle/>
+          <a:p>
+            <a:r>
+              <a:t>Correct login Screen</a:t>
+            </a:r>
+          </a:p>
+        </p:txBody>
+      </p:sp>
+      <p:sp>
+        <p:nvSpPr>
+          <p:cNvPr id="85" name="Shape 85"/>
+          <p:cNvSpPr/>
+          <p:nvPr/>
+        </p:nvSpPr>
+        <p:spPr>
+          <a:xfrm>
+            <a:off x="5812204" y="2935541"/>
+            <a:ext cx="2491493" cy="421393"/>
+          </a:xfrm>
+          <a:prstGeom prst="rect">
+            <a:avLst/>
+          </a:prstGeom>
+          <a:ln w="12700">
+            <a:miter lim="400000"/>
+          </a:ln>
+          <a:extLst>
+            <a:ext uri="{C572A759-6A51-4108-AA02-DFA0A04FC94B}">
+              <ma14:wrappingTextBoxFlag xmlns:ma14="http://schemas.microsoft.com/office/mac/drawingml/2011/main" val="1"/>
+            </a:ext>
+          </a:extLst>
+        </p:spPr>
+        <p:txBody>
+          <a:bodyPr wrap="none" lIns="45719" rIns="45719">
+            <a:spAutoFit/>
+          </a:bodyPr>
+          <a:lstStyle/>
+          <a:p>
+            <a:r>
+              <a:t>Phony login Screen</a:t>
             </a:r>
           </a:p>
         </p:txBody>
